--- a/Documents/Presentation 1.pptx
+++ b/Documents/Presentation 1.pptx
@@ -12,10 +12,10 @@
     <p:sldId id="309" r:id="rId3"/>
     <p:sldId id="314" r:id="rId4"/>
     <p:sldId id="315" r:id="rId5"/>
-    <p:sldId id="316" r:id="rId6"/>
-    <p:sldId id="310" r:id="rId7"/>
-    <p:sldId id="317" r:id="rId8"/>
-    <p:sldId id="318" r:id="rId9"/>
+    <p:sldId id="320" r:id="rId6"/>
+    <p:sldId id="316" r:id="rId7"/>
+    <p:sldId id="321" r:id="rId8"/>
+    <p:sldId id="322" r:id="rId9"/>
     <p:sldId id="319" r:id="rId10"/>
   </p:sldIdLst>
   <p:sldSz cx="9144000" cy="6858000" type="screen4x3"/>
@@ -998,753 +998,6 @@
 </dgm:colorsDef>
 </file>
 
-<file path=ppt/diagrams/colors2.xml><?xml version="1.0" encoding="utf-8"?>
-<dgm:colorsDef xmlns:dgm="http://schemas.openxmlformats.org/drawingml/2006/diagram" xmlns:a="http://schemas.openxmlformats.org/drawingml/2006/main" uniqueId="urn:microsoft.com/office/officeart/2005/8/colors/accent1_2">
-  <dgm:title val=""/>
-  <dgm:desc val=""/>
-  <dgm:catLst>
-    <dgm:cat type="accent1" pri="11200"/>
-  </dgm:catLst>
-  <dgm:styleLbl name="node0">
-    <dgm:fillClrLst meth="repeat">
-      <a:schemeClr val="accent1"/>
-    </dgm:fillClrLst>
-    <dgm:linClrLst meth="repeat">
-      <a:schemeClr val="lt1"/>
-    </dgm:linClrLst>
-    <dgm:effectClrLst/>
-    <dgm:txLinClrLst/>
-    <dgm:txFillClrLst/>
-    <dgm:txEffectClrLst/>
-  </dgm:styleLbl>
-  <dgm:styleLbl name="alignNode1">
-    <dgm:fillClrLst meth="repeat">
-      <a:schemeClr val="accent1"/>
-    </dgm:fillClrLst>
-    <dgm:linClrLst meth="repeat">
-      <a:schemeClr val="accent1"/>
-    </dgm:linClrLst>
-    <dgm:effectClrLst/>
-    <dgm:txLinClrLst/>
-    <dgm:txFillClrLst/>
-    <dgm:txEffectClrLst/>
-  </dgm:styleLbl>
-  <dgm:styleLbl name="node1">
-    <dgm:fillClrLst meth="repeat">
-      <a:schemeClr val="accent1"/>
-    </dgm:fillClrLst>
-    <dgm:linClrLst meth="repeat">
-      <a:schemeClr val="lt1"/>
-    </dgm:linClrLst>
-    <dgm:effectClrLst/>
-    <dgm:txLinClrLst/>
-    <dgm:txFillClrLst/>
-    <dgm:txEffectClrLst/>
-  </dgm:styleLbl>
-  <dgm:styleLbl name="lnNode1">
-    <dgm:fillClrLst meth="repeat">
-      <a:schemeClr val="accent1"/>
-    </dgm:fillClrLst>
-    <dgm:linClrLst meth="repeat">
-      <a:schemeClr val="lt1"/>
-    </dgm:linClrLst>
-    <dgm:effectClrLst/>
-    <dgm:txLinClrLst/>
-    <dgm:txFillClrLst/>
-    <dgm:txEffectClrLst/>
-  </dgm:styleLbl>
-  <dgm:styleLbl name="vennNode1">
-    <dgm:fillClrLst meth="repeat">
-      <a:schemeClr val="accent1">
-        <a:alpha val="50000"/>
-      </a:schemeClr>
-    </dgm:fillClrLst>
-    <dgm:linClrLst meth="repeat">
-      <a:schemeClr val="lt1"/>
-    </dgm:linClrLst>
-    <dgm:effectClrLst/>
-    <dgm:txLinClrLst/>
-    <dgm:txFillClrLst/>
-    <dgm:txEffectClrLst/>
-  </dgm:styleLbl>
-  <dgm:styleLbl name="node2">
-    <dgm:fillClrLst meth="repeat">
-      <a:schemeClr val="accent1"/>
-    </dgm:fillClrLst>
-    <dgm:linClrLst meth="repeat">
-      <a:schemeClr val="lt1"/>
-    </dgm:linClrLst>
-    <dgm:effectClrLst/>
-    <dgm:txLinClrLst/>
-    <dgm:txFillClrLst/>
-    <dgm:txEffectClrLst/>
-  </dgm:styleLbl>
-  <dgm:styleLbl name="node3">
-    <dgm:fillClrLst meth="repeat">
-      <a:schemeClr val="accent1"/>
-    </dgm:fillClrLst>
-    <dgm:linClrLst meth="repeat">
-      <a:schemeClr val="lt1"/>
-    </dgm:linClrLst>
-    <dgm:effectClrLst/>
-    <dgm:txLinClrLst/>
-    <dgm:txFillClrLst/>
-    <dgm:txEffectClrLst/>
-  </dgm:styleLbl>
-  <dgm:styleLbl name="node4">
-    <dgm:fillClrLst meth="repeat">
-      <a:schemeClr val="accent1"/>
-    </dgm:fillClrLst>
-    <dgm:linClrLst meth="repeat">
-      <a:schemeClr val="lt1"/>
-    </dgm:linClrLst>
-    <dgm:effectClrLst/>
-    <dgm:txLinClrLst/>
-    <dgm:txFillClrLst/>
-    <dgm:txEffectClrLst/>
-  </dgm:styleLbl>
-  <dgm:styleLbl name="fgImgPlace1">
-    <dgm:fillClrLst meth="repeat">
-      <a:schemeClr val="accent1">
-        <a:tint val="50000"/>
-      </a:schemeClr>
-    </dgm:fillClrLst>
-    <dgm:linClrLst meth="repeat">
-      <a:schemeClr val="lt1"/>
-    </dgm:linClrLst>
-    <dgm:effectClrLst/>
-    <dgm:txLinClrLst/>
-    <dgm:txFillClrLst meth="repeat">
-      <a:schemeClr val="lt1"/>
-    </dgm:txFillClrLst>
-    <dgm:txEffectClrLst/>
-  </dgm:styleLbl>
-  <dgm:styleLbl name="alignImgPlace1">
-    <dgm:fillClrLst meth="repeat">
-      <a:schemeClr val="accent1">
-        <a:tint val="50000"/>
-      </a:schemeClr>
-    </dgm:fillClrLst>
-    <dgm:linClrLst meth="repeat">
-      <a:schemeClr val="lt1"/>
-    </dgm:linClrLst>
-    <dgm:effectClrLst/>
-    <dgm:txLinClrLst/>
-    <dgm:txFillClrLst meth="repeat">
-      <a:schemeClr val="lt1"/>
-    </dgm:txFillClrLst>
-    <dgm:txEffectClrLst/>
-  </dgm:styleLbl>
-  <dgm:styleLbl name="bgImgPlace1">
-    <dgm:fillClrLst meth="repeat">
-      <a:schemeClr val="accent1">
-        <a:tint val="50000"/>
-      </a:schemeClr>
-    </dgm:fillClrLst>
-    <dgm:linClrLst meth="repeat">
-      <a:schemeClr val="lt1"/>
-    </dgm:linClrLst>
-    <dgm:effectClrLst/>
-    <dgm:txLinClrLst/>
-    <dgm:txFillClrLst meth="repeat">
-      <a:schemeClr val="lt1"/>
-    </dgm:txFillClrLst>
-    <dgm:txEffectClrLst/>
-  </dgm:styleLbl>
-  <dgm:styleLbl name="sibTrans2D1">
-    <dgm:fillClrLst meth="repeat">
-      <a:schemeClr val="accent1">
-        <a:tint val="60000"/>
-      </a:schemeClr>
-    </dgm:fillClrLst>
-    <dgm:linClrLst meth="repeat">
-      <a:schemeClr val="accent1">
-        <a:tint val="60000"/>
-      </a:schemeClr>
-    </dgm:linClrLst>
-    <dgm:effectClrLst/>
-    <dgm:txLinClrLst/>
-    <dgm:txFillClrLst/>
-    <dgm:txEffectClrLst/>
-  </dgm:styleLbl>
-  <dgm:styleLbl name="fgSibTrans2D1">
-    <dgm:fillClrLst meth="repeat">
-      <a:schemeClr val="accent1">
-        <a:tint val="60000"/>
-      </a:schemeClr>
-    </dgm:fillClrLst>
-    <dgm:linClrLst meth="repeat">
-      <a:schemeClr val="accent1">
-        <a:tint val="60000"/>
-      </a:schemeClr>
-    </dgm:linClrLst>
-    <dgm:effectClrLst/>
-    <dgm:txLinClrLst/>
-    <dgm:txFillClrLst/>
-    <dgm:txEffectClrLst/>
-  </dgm:styleLbl>
-  <dgm:styleLbl name="bgSibTrans2D1">
-    <dgm:fillClrLst meth="repeat">
-      <a:schemeClr val="accent1">
-        <a:tint val="60000"/>
-      </a:schemeClr>
-    </dgm:fillClrLst>
-    <dgm:linClrLst meth="repeat">
-      <a:schemeClr val="accent1">
-        <a:tint val="60000"/>
-      </a:schemeClr>
-    </dgm:linClrLst>
-    <dgm:effectClrLst/>
-    <dgm:txLinClrLst/>
-    <dgm:txFillClrLst/>
-    <dgm:txEffectClrLst/>
-  </dgm:styleLbl>
-  <dgm:styleLbl name="sibTrans1D1">
-    <dgm:fillClrLst meth="repeat">
-      <a:schemeClr val="accent1"/>
-    </dgm:fillClrLst>
-    <dgm:linClrLst meth="repeat">
-      <a:schemeClr val="accent1"/>
-    </dgm:linClrLst>
-    <dgm:effectClrLst/>
-    <dgm:txLinClrLst/>
-    <dgm:txFillClrLst meth="repeat">
-      <a:schemeClr val="tx1"/>
-    </dgm:txFillClrLst>
-    <dgm:txEffectClrLst/>
-  </dgm:styleLbl>
-  <dgm:styleLbl name="callout">
-    <dgm:fillClrLst meth="repeat">
-      <a:schemeClr val="accent1"/>
-    </dgm:fillClrLst>
-    <dgm:linClrLst meth="repeat">
-      <a:schemeClr val="accent1">
-        <a:tint val="50000"/>
-      </a:schemeClr>
-    </dgm:linClrLst>
-    <dgm:effectClrLst/>
-    <dgm:txLinClrLst/>
-    <dgm:txFillClrLst meth="repeat">
-      <a:schemeClr val="tx1"/>
-    </dgm:txFillClrLst>
-    <dgm:txEffectClrLst/>
-  </dgm:styleLbl>
-  <dgm:styleLbl name="asst0">
-    <dgm:fillClrLst meth="repeat">
-      <a:schemeClr val="accent1"/>
-    </dgm:fillClrLst>
-    <dgm:linClrLst meth="repeat">
-      <a:schemeClr val="lt1"/>
-    </dgm:linClrLst>
-    <dgm:effectClrLst/>
-    <dgm:txLinClrLst/>
-    <dgm:txFillClrLst/>
-    <dgm:txEffectClrLst/>
-  </dgm:styleLbl>
-  <dgm:styleLbl name="asst1">
-    <dgm:fillClrLst meth="repeat">
-      <a:schemeClr val="accent1"/>
-    </dgm:fillClrLst>
-    <dgm:linClrLst meth="repeat">
-      <a:schemeClr val="lt1"/>
-    </dgm:linClrLst>
-    <dgm:effectClrLst/>
-    <dgm:txLinClrLst/>
-    <dgm:txFillClrLst/>
-    <dgm:txEffectClrLst/>
-  </dgm:styleLbl>
-  <dgm:styleLbl name="asst2">
-    <dgm:fillClrLst meth="repeat">
-      <a:schemeClr val="accent1"/>
-    </dgm:fillClrLst>
-    <dgm:linClrLst meth="repeat">
-      <a:schemeClr val="lt1"/>
-    </dgm:linClrLst>
-    <dgm:effectClrLst/>
-    <dgm:txLinClrLst/>
-    <dgm:txFillClrLst/>
-    <dgm:txEffectClrLst/>
-  </dgm:styleLbl>
-  <dgm:styleLbl name="asst3">
-    <dgm:fillClrLst meth="repeat">
-      <a:schemeClr val="accent1"/>
-    </dgm:fillClrLst>
-    <dgm:linClrLst meth="repeat">
-      <a:schemeClr val="lt1"/>
-    </dgm:linClrLst>
-    <dgm:effectClrLst/>
-    <dgm:txLinClrLst/>
-    <dgm:txFillClrLst/>
-    <dgm:txEffectClrLst/>
-  </dgm:styleLbl>
-  <dgm:styleLbl name="asst4">
-    <dgm:fillClrLst meth="repeat">
-      <a:schemeClr val="accent1"/>
-    </dgm:fillClrLst>
-    <dgm:linClrLst meth="repeat">
-      <a:schemeClr val="lt1"/>
-    </dgm:linClrLst>
-    <dgm:effectClrLst/>
-    <dgm:txLinClrLst/>
-    <dgm:txFillClrLst/>
-    <dgm:txEffectClrLst/>
-  </dgm:styleLbl>
-  <dgm:styleLbl name="parChTrans2D1">
-    <dgm:fillClrLst meth="repeat">
-      <a:schemeClr val="accent1">
-        <a:tint val="60000"/>
-      </a:schemeClr>
-    </dgm:fillClrLst>
-    <dgm:linClrLst meth="repeat">
-      <a:schemeClr val="accent1">
-        <a:tint val="60000"/>
-      </a:schemeClr>
-    </dgm:linClrLst>
-    <dgm:effectClrLst/>
-    <dgm:txLinClrLst/>
-    <dgm:txFillClrLst meth="repeat">
-      <a:schemeClr val="lt1"/>
-    </dgm:txFillClrLst>
-    <dgm:txEffectClrLst/>
-  </dgm:styleLbl>
-  <dgm:styleLbl name="parChTrans2D2">
-    <dgm:fillClrLst meth="repeat">
-      <a:schemeClr val="accent1"/>
-    </dgm:fillClrLst>
-    <dgm:linClrLst meth="repeat">
-      <a:schemeClr val="accent1"/>
-    </dgm:linClrLst>
-    <dgm:effectClrLst/>
-    <dgm:txLinClrLst/>
-    <dgm:txFillClrLst meth="repeat">
-      <a:schemeClr val="lt1"/>
-    </dgm:txFillClrLst>
-    <dgm:txEffectClrLst/>
-  </dgm:styleLbl>
-  <dgm:styleLbl name="parChTrans2D3">
-    <dgm:fillClrLst meth="repeat">
-      <a:schemeClr val="accent1"/>
-    </dgm:fillClrLst>
-    <dgm:linClrLst meth="repeat">
-      <a:schemeClr val="accent1"/>
-    </dgm:linClrLst>
-    <dgm:effectClrLst/>
-    <dgm:txLinClrLst/>
-    <dgm:txFillClrLst meth="repeat">
-      <a:schemeClr val="lt1"/>
-    </dgm:txFillClrLst>
-    <dgm:txEffectClrLst/>
-  </dgm:styleLbl>
-  <dgm:styleLbl name="parChTrans2D4">
-    <dgm:fillClrLst meth="repeat">
-      <a:schemeClr val="accent1"/>
-    </dgm:fillClrLst>
-    <dgm:linClrLst meth="repeat">
-      <a:schemeClr val="accent1"/>
-    </dgm:linClrLst>
-    <dgm:effectClrLst/>
-    <dgm:txLinClrLst/>
-    <dgm:txFillClrLst meth="repeat">
-      <a:schemeClr val="lt1"/>
-    </dgm:txFillClrLst>
-    <dgm:txEffectClrLst/>
-  </dgm:styleLbl>
-  <dgm:styleLbl name="parChTrans1D1">
-    <dgm:fillClrLst meth="repeat">
-      <a:schemeClr val="accent1"/>
-    </dgm:fillClrLst>
-    <dgm:linClrLst meth="repeat">
-      <a:schemeClr val="accent1">
-        <a:shade val="60000"/>
-      </a:schemeClr>
-    </dgm:linClrLst>
-    <dgm:effectClrLst/>
-    <dgm:txLinClrLst/>
-    <dgm:txFillClrLst meth="repeat">
-      <a:schemeClr val="tx1"/>
-    </dgm:txFillClrLst>
-    <dgm:txEffectClrLst/>
-  </dgm:styleLbl>
-  <dgm:styleLbl name="parChTrans1D2">
-    <dgm:fillClrLst meth="repeat">
-      <a:schemeClr val="accent1"/>
-    </dgm:fillClrLst>
-    <dgm:linClrLst meth="repeat">
-      <a:schemeClr val="accent1">
-        <a:shade val="60000"/>
-      </a:schemeClr>
-    </dgm:linClrLst>
-    <dgm:effectClrLst/>
-    <dgm:txLinClrLst/>
-    <dgm:txFillClrLst meth="repeat">
-      <a:schemeClr val="tx1"/>
-    </dgm:txFillClrLst>
-    <dgm:txEffectClrLst/>
-  </dgm:styleLbl>
-  <dgm:styleLbl name="parChTrans1D3">
-    <dgm:fillClrLst meth="repeat">
-      <a:schemeClr val="accent1"/>
-    </dgm:fillClrLst>
-    <dgm:linClrLst meth="repeat">
-      <a:schemeClr val="accent1">
-        <a:shade val="80000"/>
-      </a:schemeClr>
-    </dgm:linClrLst>
-    <dgm:effectClrLst/>
-    <dgm:txLinClrLst/>
-    <dgm:txFillClrLst meth="repeat">
-      <a:schemeClr val="tx1"/>
-    </dgm:txFillClrLst>
-    <dgm:txEffectClrLst/>
-  </dgm:styleLbl>
-  <dgm:styleLbl name="parChTrans1D4">
-    <dgm:fillClrLst meth="repeat">
-      <a:schemeClr val="accent1"/>
-    </dgm:fillClrLst>
-    <dgm:linClrLst meth="repeat">
-      <a:schemeClr val="accent1">
-        <a:shade val="80000"/>
-      </a:schemeClr>
-    </dgm:linClrLst>
-    <dgm:effectClrLst/>
-    <dgm:txLinClrLst/>
-    <dgm:txFillClrLst meth="repeat">
-      <a:schemeClr val="tx1"/>
-    </dgm:txFillClrLst>
-    <dgm:txEffectClrLst/>
-  </dgm:styleLbl>
-  <dgm:styleLbl name="fgAcc1">
-    <dgm:fillClrLst meth="repeat">
-      <a:schemeClr val="lt1">
-        <a:alpha val="90000"/>
-      </a:schemeClr>
-    </dgm:fillClrLst>
-    <dgm:linClrLst meth="repeat">
-      <a:schemeClr val="accent1"/>
-    </dgm:linClrLst>
-    <dgm:effectClrLst/>
-    <dgm:txLinClrLst/>
-    <dgm:txFillClrLst meth="repeat">
-      <a:schemeClr val="dk1"/>
-    </dgm:txFillClrLst>
-    <dgm:txEffectClrLst/>
-  </dgm:styleLbl>
-  <dgm:styleLbl name="conFgAcc1">
-    <dgm:fillClrLst meth="repeat">
-      <a:schemeClr val="lt1">
-        <a:alpha val="90000"/>
-      </a:schemeClr>
-    </dgm:fillClrLst>
-    <dgm:linClrLst meth="repeat">
-      <a:schemeClr val="accent1"/>
-    </dgm:linClrLst>
-    <dgm:effectClrLst/>
-    <dgm:txLinClrLst/>
-    <dgm:txFillClrLst meth="repeat">
-      <a:schemeClr val="dk1"/>
-    </dgm:txFillClrLst>
-    <dgm:txEffectClrLst/>
-  </dgm:styleLbl>
-  <dgm:styleLbl name="alignAcc1">
-    <dgm:fillClrLst meth="repeat">
-      <a:schemeClr val="lt1">
-        <a:alpha val="90000"/>
-      </a:schemeClr>
-    </dgm:fillClrLst>
-    <dgm:linClrLst meth="repeat">
-      <a:schemeClr val="accent1"/>
-    </dgm:linClrLst>
-    <dgm:effectClrLst/>
-    <dgm:txLinClrLst/>
-    <dgm:txFillClrLst meth="repeat">
-      <a:schemeClr val="dk1"/>
-    </dgm:txFillClrLst>
-    <dgm:txEffectClrLst/>
-  </dgm:styleLbl>
-  <dgm:styleLbl name="trAlignAcc1">
-    <dgm:fillClrLst meth="repeat">
-      <a:schemeClr val="lt1">
-        <a:alpha val="40000"/>
-      </a:schemeClr>
-    </dgm:fillClrLst>
-    <dgm:linClrLst meth="repeat">
-      <a:schemeClr val="accent1"/>
-    </dgm:linClrLst>
-    <dgm:effectClrLst/>
-    <dgm:txLinClrLst/>
-    <dgm:txFillClrLst meth="repeat">
-      <a:schemeClr val="dk1"/>
-    </dgm:txFillClrLst>
-    <dgm:txEffectClrLst/>
-  </dgm:styleLbl>
-  <dgm:styleLbl name="bgAcc1">
-    <dgm:fillClrLst meth="repeat">
-      <a:schemeClr val="lt1">
-        <a:alpha val="90000"/>
-      </a:schemeClr>
-    </dgm:fillClrLst>
-    <dgm:linClrLst meth="repeat">
-      <a:schemeClr val="accent1"/>
-    </dgm:linClrLst>
-    <dgm:effectClrLst/>
-    <dgm:txLinClrLst/>
-    <dgm:txFillClrLst meth="repeat">
-      <a:schemeClr val="dk1"/>
-    </dgm:txFillClrLst>
-    <dgm:txEffectClrLst/>
-  </dgm:styleLbl>
-  <dgm:styleLbl name="solidFgAcc1">
-    <dgm:fillClrLst meth="repeat">
-      <a:schemeClr val="lt1"/>
-    </dgm:fillClrLst>
-    <dgm:linClrLst meth="repeat">
-      <a:schemeClr val="accent1"/>
-    </dgm:linClrLst>
-    <dgm:effectClrLst/>
-    <dgm:txLinClrLst/>
-    <dgm:txFillClrLst meth="repeat">
-      <a:schemeClr val="dk1"/>
-    </dgm:txFillClrLst>
-    <dgm:txEffectClrLst/>
-  </dgm:styleLbl>
-  <dgm:styleLbl name="solidAlignAcc1">
-    <dgm:fillClrLst meth="repeat">
-      <a:schemeClr val="lt1"/>
-    </dgm:fillClrLst>
-    <dgm:linClrLst meth="repeat">
-      <a:schemeClr val="accent1"/>
-    </dgm:linClrLst>
-    <dgm:effectClrLst/>
-    <dgm:txLinClrLst/>
-    <dgm:txFillClrLst meth="repeat">
-      <a:schemeClr val="dk1"/>
-    </dgm:txFillClrLst>
-    <dgm:txEffectClrLst/>
-  </dgm:styleLbl>
-  <dgm:styleLbl name="solidBgAcc1">
-    <dgm:fillClrLst meth="repeat">
-      <a:schemeClr val="lt1"/>
-    </dgm:fillClrLst>
-    <dgm:linClrLst meth="repeat">
-      <a:schemeClr val="accent1"/>
-    </dgm:linClrLst>
-    <dgm:effectClrLst/>
-    <dgm:txLinClrLst/>
-    <dgm:txFillClrLst meth="repeat">
-      <a:schemeClr val="dk1"/>
-    </dgm:txFillClrLst>
-    <dgm:txEffectClrLst/>
-  </dgm:styleLbl>
-  <dgm:styleLbl name="fgAccFollowNode1">
-    <dgm:fillClrLst meth="repeat">
-      <a:schemeClr val="accent1">
-        <a:alpha val="90000"/>
-        <a:tint val="40000"/>
-      </a:schemeClr>
-    </dgm:fillClrLst>
-    <dgm:linClrLst meth="repeat">
-      <a:schemeClr val="accent1">
-        <a:alpha val="90000"/>
-        <a:tint val="40000"/>
-      </a:schemeClr>
-    </dgm:linClrLst>
-    <dgm:effectClrLst/>
-    <dgm:txLinClrLst/>
-    <dgm:txFillClrLst meth="repeat">
-      <a:schemeClr val="dk1"/>
-    </dgm:txFillClrLst>
-    <dgm:txEffectClrLst/>
-  </dgm:styleLbl>
-  <dgm:styleLbl name="alignAccFollowNode1">
-    <dgm:fillClrLst meth="repeat">
-      <a:schemeClr val="accent1">
-        <a:alpha val="90000"/>
-        <a:tint val="40000"/>
-      </a:schemeClr>
-    </dgm:fillClrLst>
-    <dgm:linClrLst meth="repeat">
-      <a:schemeClr val="accent1">
-        <a:alpha val="90000"/>
-        <a:tint val="40000"/>
-      </a:schemeClr>
-    </dgm:linClrLst>
-    <dgm:effectClrLst/>
-    <dgm:txLinClrLst/>
-    <dgm:txFillClrLst meth="repeat">
-      <a:schemeClr val="dk1"/>
-    </dgm:txFillClrLst>
-    <dgm:txEffectClrLst/>
-  </dgm:styleLbl>
-  <dgm:styleLbl name="bgAccFollowNode1">
-    <dgm:fillClrLst meth="repeat">
-      <a:schemeClr val="accent1">
-        <a:alpha val="90000"/>
-        <a:tint val="40000"/>
-      </a:schemeClr>
-    </dgm:fillClrLst>
-    <dgm:linClrLst meth="repeat">
-      <a:schemeClr val="accent1">
-        <a:alpha val="90000"/>
-        <a:tint val="40000"/>
-      </a:schemeClr>
-    </dgm:linClrLst>
-    <dgm:effectClrLst/>
-    <dgm:txLinClrLst/>
-    <dgm:txFillClrLst meth="repeat">
-      <a:schemeClr val="dk1"/>
-    </dgm:txFillClrLst>
-    <dgm:txEffectClrLst/>
-  </dgm:styleLbl>
-  <dgm:styleLbl name="fgAcc0">
-    <dgm:fillClrLst meth="repeat">
-      <a:schemeClr val="lt1">
-        <a:alpha val="90000"/>
-      </a:schemeClr>
-    </dgm:fillClrLst>
-    <dgm:linClrLst meth="repeat">
-      <a:schemeClr val="accent1"/>
-    </dgm:linClrLst>
-    <dgm:effectClrLst/>
-    <dgm:txLinClrLst/>
-    <dgm:txFillClrLst meth="repeat">
-      <a:schemeClr val="dk1"/>
-    </dgm:txFillClrLst>
-    <dgm:txEffectClrLst/>
-  </dgm:styleLbl>
-  <dgm:styleLbl name="fgAcc2">
-    <dgm:fillClrLst meth="repeat">
-      <a:schemeClr val="lt1">
-        <a:alpha val="90000"/>
-      </a:schemeClr>
-    </dgm:fillClrLst>
-    <dgm:linClrLst meth="repeat">
-      <a:schemeClr val="accent1"/>
-    </dgm:linClrLst>
-    <dgm:effectClrLst/>
-    <dgm:txLinClrLst/>
-    <dgm:txFillClrLst meth="repeat">
-      <a:schemeClr val="dk1"/>
-    </dgm:txFillClrLst>
-    <dgm:txEffectClrLst/>
-  </dgm:styleLbl>
-  <dgm:styleLbl name="fgAcc3">
-    <dgm:fillClrLst meth="repeat">
-      <a:schemeClr val="lt1">
-        <a:alpha val="90000"/>
-      </a:schemeClr>
-    </dgm:fillClrLst>
-    <dgm:linClrLst meth="repeat">
-      <a:schemeClr val="accent1"/>
-    </dgm:linClrLst>
-    <dgm:effectClrLst/>
-    <dgm:txLinClrLst/>
-    <dgm:txFillClrLst meth="repeat">
-      <a:schemeClr val="dk1"/>
-    </dgm:txFillClrLst>
-    <dgm:txEffectClrLst/>
-  </dgm:styleLbl>
-  <dgm:styleLbl name="fgAcc4">
-    <dgm:fillClrLst meth="repeat">
-      <a:schemeClr val="lt1">
-        <a:alpha val="90000"/>
-      </a:schemeClr>
-    </dgm:fillClrLst>
-    <dgm:linClrLst meth="repeat">
-      <a:schemeClr val="accent1"/>
-    </dgm:linClrLst>
-    <dgm:effectClrLst/>
-    <dgm:txLinClrLst/>
-    <dgm:txFillClrLst meth="repeat">
-      <a:schemeClr val="dk1"/>
-    </dgm:txFillClrLst>
-    <dgm:txEffectClrLst/>
-  </dgm:styleLbl>
-  <dgm:styleLbl name="bgShp">
-    <dgm:fillClrLst meth="repeat">
-      <a:schemeClr val="accent1">
-        <a:tint val="40000"/>
-      </a:schemeClr>
-    </dgm:fillClrLst>
-    <dgm:linClrLst meth="repeat">
-      <a:schemeClr val="accent1"/>
-    </dgm:linClrLst>
-    <dgm:effectClrLst/>
-    <dgm:txLinClrLst/>
-    <dgm:txFillClrLst meth="repeat">
-      <a:schemeClr val="dk1"/>
-    </dgm:txFillClrLst>
-    <dgm:txEffectClrLst/>
-  </dgm:styleLbl>
-  <dgm:styleLbl name="dkBgShp">
-    <dgm:fillClrLst meth="repeat">
-      <a:schemeClr val="accent1">
-        <a:shade val="80000"/>
-      </a:schemeClr>
-    </dgm:fillClrLst>
-    <dgm:linClrLst meth="repeat">
-      <a:schemeClr val="accent1"/>
-    </dgm:linClrLst>
-    <dgm:effectClrLst/>
-    <dgm:txLinClrLst/>
-    <dgm:txFillClrLst meth="repeat">
-      <a:schemeClr val="lt1"/>
-    </dgm:txFillClrLst>
-    <dgm:txEffectClrLst/>
-  </dgm:styleLbl>
-  <dgm:styleLbl name="trBgShp">
-    <dgm:fillClrLst meth="repeat">
-      <a:schemeClr val="accent1">
-        <a:tint val="50000"/>
-        <a:alpha val="40000"/>
-      </a:schemeClr>
-    </dgm:fillClrLst>
-    <dgm:linClrLst meth="repeat">
-      <a:schemeClr val="accent1"/>
-    </dgm:linClrLst>
-    <dgm:effectClrLst/>
-    <dgm:txLinClrLst/>
-    <dgm:txFillClrLst meth="repeat">
-      <a:schemeClr val="lt1"/>
-    </dgm:txFillClrLst>
-    <dgm:txEffectClrLst/>
-  </dgm:styleLbl>
-  <dgm:styleLbl name="fgShp">
-    <dgm:fillClrLst meth="repeat">
-      <a:schemeClr val="accent1">
-        <a:tint val="60000"/>
-      </a:schemeClr>
-    </dgm:fillClrLst>
-    <dgm:linClrLst meth="repeat">
-      <a:schemeClr val="lt1"/>
-    </dgm:linClrLst>
-    <dgm:effectClrLst/>
-    <dgm:txLinClrLst/>
-    <dgm:txFillClrLst meth="repeat">
-      <a:schemeClr val="dk1"/>
-    </dgm:txFillClrLst>
-    <dgm:txEffectClrLst/>
-  </dgm:styleLbl>
-  <dgm:styleLbl name="revTx">
-    <dgm:fillClrLst meth="repeat">
-      <a:schemeClr val="lt1">
-        <a:alpha val="0"/>
-      </a:schemeClr>
-    </dgm:fillClrLst>
-    <dgm:linClrLst meth="repeat">
-      <a:schemeClr val="dk1">
-        <a:alpha val="0"/>
-      </a:schemeClr>
-    </dgm:linClrLst>
-    <dgm:effectClrLst/>
-    <dgm:txLinClrLst/>
-    <dgm:txFillClrLst meth="repeat">
-      <a:schemeClr val="tx1"/>
-    </dgm:txFillClrLst>
-    <dgm:txEffectClrLst/>
-  </dgm:styleLbl>
-</dgm:colorsDef>
-</file>
-
 <file path=ppt/diagrams/data1.xml><?xml version="1.0" encoding="utf-8"?>
 <dgm:dataModel xmlns:dgm="http://schemas.openxmlformats.org/drawingml/2006/diagram" xmlns:a="http://schemas.openxmlformats.org/drawingml/2006/main">
   <dgm:ptLst>
@@ -1804,8 +1057,8 @@
         <a:lstStyle/>
         <a:p>
           <a:r>
-            <a:rPr lang="en-US" dirty="0" smtClean="0"/>
-            <a:t>The Problem</a:t>
+            <a:rPr lang="pt-BR" dirty="0" smtClean="0"/>
+            <a:t>Management Solution</a:t>
           </a:r>
           <a:endParaRPr lang="en-US" dirty="0"/>
         </a:p>
@@ -1879,7 +1132,7 @@
         <a:p>
           <a:r>
             <a:rPr lang="en-US" dirty="0" smtClean="0"/>
-            <a:t>The Task Management</a:t>
+            <a:t>Next Steps</a:t>
           </a:r>
           <a:endParaRPr lang="en-US" dirty="0"/>
         </a:p>
@@ -1953,7 +1206,7 @@
         <a:p>
           <a:r>
             <a:rPr lang="en-US" dirty="0" smtClean="0"/>
-            <a:t>Existing Solutions</a:t>
+            <a:t>Technical Solution</a:t>
           </a:r>
           <a:endParaRPr lang="en-US" dirty="0"/>
         </a:p>
@@ -2148,196 +1401,6 @@
 </dgm:dataModel>
 </file>
 
-<file path=ppt/diagrams/data2.xml><?xml version="1.0" encoding="utf-8"?>
-<dgm:dataModel xmlns:dgm="http://schemas.openxmlformats.org/drawingml/2006/diagram" xmlns:a="http://schemas.openxmlformats.org/drawingml/2006/main">
-  <dgm:ptLst>
-    <dgm:pt modelId="{CAE1141C-22D3-4991-BBEA-BB0E4720ACD0}" type="doc">
-      <dgm:prSet loTypeId="urn:microsoft.com/office/officeart/2005/8/layout/cycle1" loCatId="cycle" qsTypeId="urn:microsoft.com/office/officeart/2005/8/quickstyle/simple1" qsCatId="simple" csTypeId="urn:microsoft.com/office/officeart/2005/8/colors/accent1_2" csCatId="accent1" phldr="1"/>
-      <dgm:spPr/>
-      <dgm:t>
-        <a:bodyPr/>
-        <a:lstStyle/>
-        <a:p>
-          <a:endParaRPr lang="en-US"/>
-        </a:p>
-      </dgm:t>
-    </dgm:pt>
-    <dgm:pt modelId="{768B218D-23A9-4977-AD3A-E7AE413013C8}">
-      <dgm:prSet phldrT="[Texto]"/>
-      <dgm:spPr/>
-      <dgm:t>
-        <a:bodyPr/>
-        <a:lstStyle/>
-        <a:p>
-          <a:r>
-            <a:rPr lang="en-US" dirty="0" smtClean="0"/>
-            <a:t> </a:t>
-          </a:r>
-          <a:endParaRPr lang="en-US" dirty="0"/>
-        </a:p>
-      </dgm:t>
-    </dgm:pt>
-    <dgm:pt modelId="{271C6613-3154-4B7C-B3E6-D39077D5AD26}" type="parTrans" cxnId="{12AFED5B-DE17-4FC3-B006-2E4FCD912E81}">
-      <dgm:prSet/>
-      <dgm:spPr/>
-      <dgm:t>
-        <a:bodyPr/>
-        <a:lstStyle/>
-        <a:p>
-          <a:endParaRPr lang="en-US"/>
-        </a:p>
-      </dgm:t>
-    </dgm:pt>
-    <dgm:pt modelId="{21BF3A2E-1BC2-4B82-94C5-018D7CB06004}" type="sibTrans" cxnId="{12AFED5B-DE17-4FC3-B006-2E4FCD912E81}">
-      <dgm:prSet/>
-      <dgm:spPr/>
-      <dgm:t>
-        <a:bodyPr/>
-        <a:lstStyle/>
-        <a:p>
-          <a:endParaRPr lang="en-US"/>
-        </a:p>
-      </dgm:t>
-    </dgm:pt>
-    <dgm:pt modelId="{62370D29-7C13-448C-BCF9-26FBCBD913A9}">
-      <dgm:prSet phldrT="[Texto]"/>
-      <dgm:spPr/>
-      <dgm:t>
-        <a:bodyPr/>
-        <a:lstStyle/>
-        <a:p>
-          <a:r>
-            <a:rPr lang="en-US" dirty="0" smtClean="0"/>
-            <a:t> </a:t>
-          </a:r>
-          <a:endParaRPr lang="en-US" dirty="0"/>
-        </a:p>
-      </dgm:t>
-    </dgm:pt>
-    <dgm:pt modelId="{D5059B02-7115-4CD4-B2F6-0ABCC1669BA2}" type="parTrans" cxnId="{E5D58623-B8FB-4011-9E1D-622B0C9882C7}">
-      <dgm:prSet/>
-      <dgm:spPr/>
-      <dgm:t>
-        <a:bodyPr/>
-        <a:lstStyle/>
-        <a:p>
-          <a:endParaRPr lang="en-US"/>
-        </a:p>
-      </dgm:t>
-    </dgm:pt>
-    <dgm:pt modelId="{CAE3368D-40F6-41F9-905D-6779B085ABE4}" type="sibTrans" cxnId="{E5D58623-B8FB-4011-9E1D-622B0C9882C7}">
-      <dgm:prSet/>
-      <dgm:spPr/>
-      <dgm:t>
-        <a:bodyPr/>
-        <a:lstStyle/>
-        <a:p>
-          <a:endParaRPr lang="en-US"/>
-        </a:p>
-      </dgm:t>
-    </dgm:pt>
-    <dgm:pt modelId="{614EAD6E-526C-4519-8F68-071CF9653485}" type="pres">
-      <dgm:prSet presAssocID="{CAE1141C-22D3-4991-BBEA-BB0E4720ACD0}" presName="cycle" presStyleCnt="0">
-        <dgm:presLayoutVars>
-          <dgm:dir/>
-          <dgm:resizeHandles val="exact"/>
-        </dgm:presLayoutVars>
-      </dgm:prSet>
-      <dgm:spPr/>
-      <dgm:t>
-        <a:bodyPr/>
-        <a:lstStyle/>
-        <a:p>
-          <a:endParaRPr lang="fr-FR"/>
-        </a:p>
-      </dgm:t>
-    </dgm:pt>
-    <dgm:pt modelId="{9D6A423B-EC70-48BB-8CE5-5F9BDEB7C980}" type="pres">
-      <dgm:prSet presAssocID="{768B218D-23A9-4977-AD3A-E7AE413013C8}" presName="dummy" presStyleCnt="0"/>
-      <dgm:spPr/>
-    </dgm:pt>
-    <dgm:pt modelId="{989B3D6F-D344-4B2F-9C6A-F2648A5FB3AA}" type="pres">
-      <dgm:prSet presAssocID="{768B218D-23A9-4977-AD3A-E7AE413013C8}" presName="node" presStyleLbl="revTx" presStyleIdx="0" presStyleCnt="2">
-        <dgm:presLayoutVars>
-          <dgm:bulletEnabled val="1"/>
-        </dgm:presLayoutVars>
-      </dgm:prSet>
-      <dgm:spPr/>
-      <dgm:t>
-        <a:bodyPr/>
-        <a:lstStyle/>
-        <a:p>
-          <a:endParaRPr lang="en-US"/>
-        </a:p>
-      </dgm:t>
-    </dgm:pt>
-    <dgm:pt modelId="{F57787D6-2EA7-41EA-A34D-A85B9D8B9284}" type="pres">
-      <dgm:prSet presAssocID="{21BF3A2E-1BC2-4B82-94C5-018D7CB06004}" presName="sibTrans" presStyleLbl="node1" presStyleIdx="0" presStyleCnt="2"/>
-      <dgm:spPr/>
-      <dgm:t>
-        <a:bodyPr/>
-        <a:lstStyle/>
-        <a:p>
-          <a:endParaRPr lang="fr-FR"/>
-        </a:p>
-      </dgm:t>
-    </dgm:pt>
-    <dgm:pt modelId="{B7985F89-9147-46CD-AC39-7842729BB1A6}" type="pres">
-      <dgm:prSet presAssocID="{62370D29-7C13-448C-BCF9-26FBCBD913A9}" presName="dummy" presStyleCnt="0"/>
-      <dgm:spPr/>
-    </dgm:pt>
-    <dgm:pt modelId="{A24CDA6D-ADEB-4905-97A7-DD43606A7D3B}" type="pres">
-      <dgm:prSet presAssocID="{62370D29-7C13-448C-BCF9-26FBCBD913A9}" presName="node" presStyleLbl="revTx" presStyleIdx="1" presStyleCnt="2">
-        <dgm:presLayoutVars>
-          <dgm:bulletEnabled val="1"/>
-        </dgm:presLayoutVars>
-      </dgm:prSet>
-      <dgm:spPr/>
-      <dgm:t>
-        <a:bodyPr/>
-        <a:lstStyle/>
-        <a:p>
-          <a:endParaRPr lang="en-US"/>
-        </a:p>
-      </dgm:t>
-    </dgm:pt>
-    <dgm:pt modelId="{928EEB81-8930-4AE4-A1AD-4090F7AA6330}" type="pres">
-      <dgm:prSet presAssocID="{CAE3368D-40F6-41F9-905D-6779B085ABE4}" presName="sibTrans" presStyleLbl="node1" presStyleIdx="1" presStyleCnt="2"/>
-      <dgm:spPr/>
-      <dgm:t>
-        <a:bodyPr/>
-        <a:lstStyle/>
-        <a:p>
-          <a:endParaRPr lang="fr-FR"/>
-        </a:p>
-      </dgm:t>
-    </dgm:pt>
-  </dgm:ptLst>
-  <dgm:cxnLst>
-    <dgm:cxn modelId="{A4239F63-22DC-4DBC-8274-B70AE375B3D6}" type="presOf" srcId="{62370D29-7C13-448C-BCF9-26FBCBD913A9}" destId="{A24CDA6D-ADEB-4905-97A7-DD43606A7D3B}" srcOrd="0" destOrd="0" presId="urn:microsoft.com/office/officeart/2005/8/layout/cycle1"/>
-    <dgm:cxn modelId="{40605FE5-CCE1-40F3-99F5-8B45E9B0AB06}" type="presOf" srcId="{768B218D-23A9-4977-AD3A-E7AE413013C8}" destId="{989B3D6F-D344-4B2F-9C6A-F2648A5FB3AA}" srcOrd="0" destOrd="0" presId="urn:microsoft.com/office/officeart/2005/8/layout/cycle1"/>
-    <dgm:cxn modelId="{12AFED5B-DE17-4FC3-B006-2E4FCD912E81}" srcId="{CAE1141C-22D3-4991-BBEA-BB0E4720ACD0}" destId="{768B218D-23A9-4977-AD3A-E7AE413013C8}" srcOrd="0" destOrd="0" parTransId="{271C6613-3154-4B7C-B3E6-D39077D5AD26}" sibTransId="{21BF3A2E-1BC2-4B82-94C5-018D7CB06004}"/>
-    <dgm:cxn modelId="{E5712530-D425-49A6-A929-561C58CABB83}" type="presOf" srcId="{21BF3A2E-1BC2-4B82-94C5-018D7CB06004}" destId="{F57787D6-2EA7-41EA-A34D-A85B9D8B9284}" srcOrd="0" destOrd="0" presId="urn:microsoft.com/office/officeart/2005/8/layout/cycle1"/>
-    <dgm:cxn modelId="{E5D58623-B8FB-4011-9E1D-622B0C9882C7}" srcId="{CAE1141C-22D3-4991-BBEA-BB0E4720ACD0}" destId="{62370D29-7C13-448C-BCF9-26FBCBD913A9}" srcOrd="1" destOrd="0" parTransId="{D5059B02-7115-4CD4-B2F6-0ABCC1669BA2}" sibTransId="{CAE3368D-40F6-41F9-905D-6779B085ABE4}"/>
-    <dgm:cxn modelId="{F89EC088-5A02-4716-B238-B6E7D182C929}" type="presOf" srcId="{CAE3368D-40F6-41F9-905D-6779B085ABE4}" destId="{928EEB81-8930-4AE4-A1AD-4090F7AA6330}" srcOrd="0" destOrd="0" presId="urn:microsoft.com/office/officeart/2005/8/layout/cycle1"/>
-    <dgm:cxn modelId="{3E671B58-6DCD-4307-94E3-F9D9FAF3B3CB}" type="presOf" srcId="{CAE1141C-22D3-4991-BBEA-BB0E4720ACD0}" destId="{614EAD6E-526C-4519-8F68-071CF9653485}" srcOrd="0" destOrd="0" presId="urn:microsoft.com/office/officeart/2005/8/layout/cycle1"/>
-    <dgm:cxn modelId="{E851267F-92DE-4CDF-97C0-951D232CF049}" type="presParOf" srcId="{614EAD6E-526C-4519-8F68-071CF9653485}" destId="{9D6A423B-EC70-48BB-8CE5-5F9BDEB7C980}" srcOrd="0" destOrd="0" presId="urn:microsoft.com/office/officeart/2005/8/layout/cycle1"/>
-    <dgm:cxn modelId="{5E1E6D67-D0D2-4BE4-B707-1C458530FABA}" type="presParOf" srcId="{614EAD6E-526C-4519-8F68-071CF9653485}" destId="{989B3D6F-D344-4B2F-9C6A-F2648A5FB3AA}" srcOrd="1" destOrd="0" presId="urn:microsoft.com/office/officeart/2005/8/layout/cycle1"/>
-    <dgm:cxn modelId="{D83C3EA8-07C3-43F0-906E-EB5CA0C00A13}" type="presParOf" srcId="{614EAD6E-526C-4519-8F68-071CF9653485}" destId="{F57787D6-2EA7-41EA-A34D-A85B9D8B9284}" srcOrd="2" destOrd="0" presId="urn:microsoft.com/office/officeart/2005/8/layout/cycle1"/>
-    <dgm:cxn modelId="{203A3125-E5AB-42E4-9FFD-069C282B8446}" type="presParOf" srcId="{614EAD6E-526C-4519-8F68-071CF9653485}" destId="{B7985F89-9147-46CD-AC39-7842729BB1A6}" srcOrd="3" destOrd="0" presId="urn:microsoft.com/office/officeart/2005/8/layout/cycle1"/>
-    <dgm:cxn modelId="{366380B2-DBC0-4807-BDDF-CD7CC8AB16E6}" type="presParOf" srcId="{614EAD6E-526C-4519-8F68-071CF9653485}" destId="{A24CDA6D-ADEB-4905-97A7-DD43606A7D3B}" srcOrd="4" destOrd="0" presId="urn:microsoft.com/office/officeart/2005/8/layout/cycle1"/>
-    <dgm:cxn modelId="{F034E3FF-0DD4-4BAD-B712-13528A35502C}" type="presParOf" srcId="{614EAD6E-526C-4519-8F68-071CF9653485}" destId="{928EEB81-8930-4AE4-A1AD-4090F7AA6330}" srcOrd="5" destOrd="0" presId="urn:microsoft.com/office/officeart/2005/8/layout/cycle1"/>
-  </dgm:cxnLst>
-  <dgm:bg/>
-  <dgm:whole/>
-  <dgm:extLst>
-    <a:ext uri="http://schemas.microsoft.com/office/drawing/2008/diagram">
-      <dsp:dataModelExt xmlns:dsp="http://schemas.microsoft.com/office/drawing/2008/diagram" relId="rId7" minVer="http://schemas.openxmlformats.org/drawingml/2006/diagram"/>
-    </a:ext>
-  </dgm:extLst>
-</dgm:dataModel>
-</file>
-
 <file path=ppt/diagrams/drawing1.xml><?xml version="1.0" encoding="utf-8"?>
 <dsp:drawing xmlns:dgm="http://schemas.openxmlformats.org/drawingml/2006/diagram" xmlns:dsp="http://schemas.microsoft.com/office/drawing/2008/diagram" xmlns:a="http://schemas.openxmlformats.org/drawingml/2006/main">
   <dsp:spTree>
@@ -2494,8 +1557,8 @@
             <a:buChar char="••"/>
           </a:pPr>
           <a:r>
-            <a:rPr lang="en-US" sz="3800" kern="1200" dirty="0" smtClean="0"/>
-            <a:t>The Problem</a:t>
+            <a:rPr lang="pt-BR" sz="3800" kern="1200" dirty="0" smtClean="0"/>
+            <a:t>Management Solution</a:t>
           </a:r>
           <a:endParaRPr lang="en-US" sz="3800" kern="1200" dirty="0"/>
         </a:p>
@@ -2654,7 +1717,7 @@
           </a:pPr>
           <a:r>
             <a:rPr lang="en-US" sz="3800" kern="1200" dirty="0" smtClean="0"/>
-            <a:t>Existing Solutions</a:t>
+            <a:t>Technical Solution</a:t>
           </a:r>
           <a:endParaRPr lang="en-US" sz="3800" kern="1200" dirty="0"/>
         </a:p>
@@ -2813,7 +1876,7 @@
           </a:pPr>
           <a:r>
             <a:rPr lang="en-US" sz="3800" kern="1200" dirty="0" smtClean="0"/>
-            <a:t>The Task Management</a:t>
+            <a:t>Next Steps</a:t>
           </a:r>
           <a:endParaRPr lang="en-US" sz="3800" kern="1200" dirty="0"/>
         </a:p>
@@ -2822,250 +1885,6 @@
         <a:off x="1039018" y="2625605"/>
         <a:ext cx="5009883" cy="870607"/>
       </dsp:txXfrm>
-    </dsp:sp>
-  </dsp:spTree>
-</dsp:drawing>
-</file>
-
-<file path=ppt/diagrams/drawing2.xml><?xml version="1.0" encoding="utf-8"?>
-<dsp:drawing xmlns:dgm="http://schemas.openxmlformats.org/drawingml/2006/diagram" xmlns:dsp="http://schemas.microsoft.com/office/drawing/2008/diagram" xmlns:a="http://schemas.openxmlformats.org/drawingml/2006/main">
-  <dsp:spTree>
-    <dsp:nvGrpSpPr>
-      <dsp:cNvPr id="0" name=""/>
-      <dsp:cNvGrpSpPr/>
-    </dsp:nvGrpSpPr>
-    <dsp:grpSpPr/>
-    <dsp:sp modelId="{989B3D6F-D344-4B2F-9C6A-F2648A5FB3AA}">
-      <dsp:nvSpPr>
-        <dsp:cNvPr id="0" name=""/>
-        <dsp:cNvSpPr/>
-      </dsp:nvSpPr>
-      <dsp:spPr>
-        <a:xfrm>
-          <a:off x="3675830" y="1043781"/>
-          <a:ext cx="1976437" cy="1976437"/>
-        </a:xfrm>
-        <a:prstGeom prst="rect">
-          <a:avLst/>
-        </a:prstGeom>
-        <a:noFill/>
-        <a:ln>
-          <a:noFill/>
-        </a:ln>
-        <a:effectLst/>
-      </dsp:spPr>
-      <dsp:style>
-        <a:lnRef idx="0">
-          <a:scrgbClr r="0" g="0" b="0"/>
-        </a:lnRef>
-        <a:fillRef idx="0">
-          <a:scrgbClr r="0" g="0" b="0"/>
-        </a:fillRef>
-        <a:effectRef idx="0">
-          <a:scrgbClr r="0" g="0" b="0"/>
-        </a:effectRef>
-        <a:fontRef idx="minor"/>
-      </dsp:style>
-      <dsp:txBody>
-        <a:bodyPr spcFirstLastPara="0" vert="horz" wrap="square" lIns="82550" tIns="82550" rIns="82550" bIns="82550" numCol="1" spcCol="1270" anchor="ctr" anchorCtr="0">
-          <a:noAutofit/>
-        </a:bodyPr>
-        <a:lstStyle/>
-        <a:p>
-          <a:pPr lvl="0" algn="ctr" defTabSz="2889250">
-            <a:lnSpc>
-              <a:spcPct val="90000"/>
-            </a:lnSpc>
-            <a:spcBef>
-              <a:spcPct val="0"/>
-            </a:spcBef>
-            <a:spcAft>
-              <a:spcPct val="35000"/>
-            </a:spcAft>
-          </a:pPr>
-          <a:r>
-            <a:rPr lang="en-US" sz="6500" kern="1200" dirty="0" smtClean="0"/>
-            <a:t> </a:t>
-          </a:r>
-          <a:endParaRPr lang="en-US" sz="6500" kern="1200" dirty="0"/>
-        </a:p>
-      </dsp:txBody>
-      <dsp:txXfrm>
-        <a:off x="3675830" y="1043781"/>
-        <a:ext cx="1976437" cy="1976437"/>
-      </dsp:txXfrm>
-    </dsp:sp>
-    <dsp:sp modelId="{F57787D6-2EA7-41EA-A34D-A85B9D8B9284}">
-      <dsp:nvSpPr>
-        <dsp:cNvPr id="0" name=""/>
-        <dsp:cNvSpPr/>
-      </dsp:nvSpPr>
-      <dsp:spPr>
-        <a:xfrm>
-          <a:off x="1014428" y="-1571"/>
-          <a:ext cx="4067142" cy="4067142"/>
-        </a:xfrm>
-        <a:prstGeom prst="circularArrow">
-          <a:avLst>
-            <a:gd name="adj1" fmla="val 9476"/>
-            <a:gd name="adj2" fmla="val 684342"/>
-            <a:gd name="adj3" fmla="val 7853762"/>
-            <a:gd name="adj4" fmla="val 2261896"/>
-            <a:gd name="adj5" fmla="val 11055"/>
-          </a:avLst>
-        </a:prstGeom>
-        <a:solidFill>
-          <a:schemeClr val="accent1">
-            <a:hueOff val="0"/>
-            <a:satOff val="0"/>
-            <a:lumOff val="0"/>
-            <a:alphaOff val="0"/>
-          </a:schemeClr>
-        </a:solidFill>
-        <a:ln w="12700" cap="flat" cmpd="sng" algn="ctr">
-          <a:solidFill>
-            <a:schemeClr val="lt1">
-              <a:hueOff val="0"/>
-              <a:satOff val="0"/>
-              <a:lumOff val="0"/>
-              <a:alphaOff val="0"/>
-            </a:schemeClr>
-          </a:solidFill>
-          <a:prstDash val="solid"/>
-          <a:miter lim="800000"/>
-        </a:ln>
-        <a:effectLst/>
-      </dsp:spPr>
-      <dsp:style>
-        <a:lnRef idx="2">
-          <a:scrgbClr r="0" g="0" b="0"/>
-        </a:lnRef>
-        <a:fillRef idx="1">
-          <a:scrgbClr r="0" g="0" b="0"/>
-        </a:fillRef>
-        <a:effectRef idx="0">
-          <a:scrgbClr r="0" g="0" b="0"/>
-        </a:effectRef>
-        <a:fontRef idx="minor">
-          <a:schemeClr val="lt1"/>
-        </a:fontRef>
-      </dsp:style>
-    </dsp:sp>
-    <dsp:sp modelId="{A24CDA6D-ADEB-4905-97A7-DD43606A7D3B}">
-      <dsp:nvSpPr>
-        <dsp:cNvPr id="0" name=""/>
-        <dsp:cNvSpPr/>
-      </dsp:nvSpPr>
-      <dsp:spPr>
-        <a:xfrm>
-          <a:off x="443732" y="1043781"/>
-          <a:ext cx="1976437" cy="1976437"/>
-        </a:xfrm>
-        <a:prstGeom prst="rect">
-          <a:avLst/>
-        </a:prstGeom>
-        <a:noFill/>
-        <a:ln>
-          <a:noFill/>
-        </a:ln>
-        <a:effectLst/>
-      </dsp:spPr>
-      <dsp:style>
-        <a:lnRef idx="0">
-          <a:scrgbClr r="0" g="0" b="0"/>
-        </a:lnRef>
-        <a:fillRef idx="0">
-          <a:scrgbClr r="0" g="0" b="0"/>
-        </a:fillRef>
-        <a:effectRef idx="0">
-          <a:scrgbClr r="0" g="0" b="0"/>
-        </a:effectRef>
-        <a:fontRef idx="minor"/>
-      </dsp:style>
-      <dsp:txBody>
-        <a:bodyPr spcFirstLastPara="0" vert="horz" wrap="square" lIns="82550" tIns="82550" rIns="82550" bIns="82550" numCol="1" spcCol="1270" anchor="ctr" anchorCtr="0">
-          <a:noAutofit/>
-        </a:bodyPr>
-        <a:lstStyle/>
-        <a:p>
-          <a:pPr lvl="0" algn="ctr" defTabSz="2889250">
-            <a:lnSpc>
-              <a:spcPct val="90000"/>
-            </a:lnSpc>
-            <a:spcBef>
-              <a:spcPct val="0"/>
-            </a:spcBef>
-            <a:spcAft>
-              <a:spcPct val="35000"/>
-            </a:spcAft>
-          </a:pPr>
-          <a:r>
-            <a:rPr lang="en-US" sz="6500" kern="1200" dirty="0" smtClean="0"/>
-            <a:t> </a:t>
-          </a:r>
-          <a:endParaRPr lang="en-US" sz="6500" kern="1200" dirty="0"/>
-        </a:p>
-      </dsp:txBody>
-      <dsp:txXfrm>
-        <a:off x="443732" y="1043781"/>
-        <a:ext cx="1976437" cy="1976437"/>
-      </dsp:txXfrm>
-    </dsp:sp>
-    <dsp:sp modelId="{928EEB81-8930-4AE4-A1AD-4090F7AA6330}">
-      <dsp:nvSpPr>
-        <dsp:cNvPr id="0" name=""/>
-        <dsp:cNvSpPr/>
-      </dsp:nvSpPr>
-      <dsp:spPr>
-        <a:xfrm>
-          <a:off x="1014428" y="-1571"/>
-          <a:ext cx="4067142" cy="4067142"/>
-        </a:xfrm>
-        <a:prstGeom prst="circularArrow">
-          <a:avLst>
-            <a:gd name="adj1" fmla="val 9476"/>
-            <a:gd name="adj2" fmla="val 684342"/>
-            <a:gd name="adj3" fmla="val 18653762"/>
-            <a:gd name="adj4" fmla="val 13061896"/>
-            <a:gd name="adj5" fmla="val 11055"/>
-          </a:avLst>
-        </a:prstGeom>
-        <a:solidFill>
-          <a:schemeClr val="accent1">
-            <a:hueOff val="0"/>
-            <a:satOff val="0"/>
-            <a:lumOff val="0"/>
-            <a:alphaOff val="0"/>
-          </a:schemeClr>
-        </a:solidFill>
-        <a:ln w="12700" cap="flat" cmpd="sng" algn="ctr">
-          <a:solidFill>
-            <a:schemeClr val="lt1">
-              <a:hueOff val="0"/>
-              <a:satOff val="0"/>
-              <a:lumOff val="0"/>
-              <a:alphaOff val="0"/>
-            </a:schemeClr>
-          </a:solidFill>
-          <a:prstDash val="solid"/>
-          <a:miter lim="800000"/>
-        </a:ln>
-        <a:effectLst/>
-      </dsp:spPr>
-      <dsp:style>
-        <a:lnRef idx="2">
-          <a:scrgbClr r="0" g="0" b="0"/>
-        </a:lnRef>
-        <a:fillRef idx="1">
-          <a:scrgbClr r="0" g="0" b="0"/>
-        </a:fillRef>
-        <a:effectRef idx="0">
-          <a:scrgbClr r="0" g="0" b="0"/>
-        </a:effectRef>
-        <a:fontRef idx="minor">
-          <a:schemeClr val="lt1"/>
-        </a:fontRef>
-      </dsp:style>
     </dsp:sp>
   </dsp:spTree>
 </dsp:drawing>
@@ -3327,1239 +2146,7 @@
 </dgm:layoutDef>
 </file>
 
-<file path=ppt/diagrams/layout2.xml><?xml version="1.0" encoding="utf-8"?>
-<dgm:layoutDef xmlns:dgm="http://schemas.openxmlformats.org/drawingml/2006/diagram" xmlns:a="http://schemas.openxmlformats.org/drawingml/2006/main" uniqueId="urn:microsoft.com/office/officeart/2005/8/layout/cycle1">
-  <dgm:title val=""/>
-  <dgm:desc val=""/>
-  <dgm:catLst>
-    <dgm:cat type="cycle" pri="2000"/>
-  </dgm:catLst>
-  <dgm:sampData>
-    <dgm:dataModel>
-      <dgm:ptLst>
-        <dgm:pt modelId="0" type="doc"/>
-        <dgm:pt modelId="1">
-          <dgm:prSet phldr="1"/>
-        </dgm:pt>
-        <dgm:pt modelId="2">
-          <dgm:prSet phldr="1"/>
-        </dgm:pt>
-        <dgm:pt modelId="3">
-          <dgm:prSet phldr="1"/>
-        </dgm:pt>
-        <dgm:pt modelId="4">
-          <dgm:prSet phldr="1"/>
-        </dgm:pt>
-        <dgm:pt modelId="5">
-          <dgm:prSet phldr="1"/>
-        </dgm:pt>
-      </dgm:ptLst>
-      <dgm:cxnLst>
-        <dgm:cxn modelId="6" srcId="0" destId="1" srcOrd="0" destOrd="0"/>
-        <dgm:cxn modelId="7" srcId="0" destId="2" srcOrd="1" destOrd="0"/>
-        <dgm:cxn modelId="8" srcId="0" destId="3" srcOrd="2" destOrd="0"/>
-        <dgm:cxn modelId="9" srcId="0" destId="4" srcOrd="3" destOrd="0"/>
-        <dgm:cxn modelId="10" srcId="0" destId="5" srcOrd="4" destOrd="0"/>
-      </dgm:cxnLst>
-      <dgm:bg/>
-      <dgm:whole/>
-    </dgm:dataModel>
-  </dgm:sampData>
-  <dgm:styleData>
-    <dgm:dataModel>
-      <dgm:ptLst>
-        <dgm:pt modelId="0" type="doc"/>
-        <dgm:pt modelId="1"/>
-        <dgm:pt modelId="2"/>
-        <dgm:pt modelId="3"/>
-      </dgm:ptLst>
-      <dgm:cxnLst>
-        <dgm:cxn modelId="4" srcId="0" destId="1" srcOrd="0" destOrd="0"/>
-        <dgm:cxn modelId="5" srcId="0" destId="2" srcOrd="1" destOrd="0"/>
-        <dgm:cxn modelId="6" srcId="0" destId="3" srcOrd="2" destOrd="0"/>
-      </dgm:cxnLst>
-      <dgm:bg/>
-      <dgm:whole/>
-    </dgm:dataModel>
-  </dgm:styleData>
-  <dgm:clrData>
-    <dgm:dataModel>
-      <dgm:ptLst>
-        <dgm:pt modelId="0" type="doc"/>
-        <dgm:pt modelId="1"/>
-        <dgm:pt modelId="2"/>
-        <dgm:pt modelId="3"/>
-        <dgm:pt modelId="4"/>
-        <dgm:pt modelId="5"/>
-        <dgm:pt modelId="6"/>
-      </dgm:ptLst>
-      <dgm:cxnLst>
-        <dgm:cxn modelId="7" srcId="0" destId="1" srcOrd="0" destOrd="0"/>
-        <dgm:cxn modelId="8" srcId="0" destId="2" srcOrd="1" destOrd="0"/>
-        <dgm:cxn modelId="9" srcId="0" destId="3" srcOrd="2" destOrd="0"/>
-        <dgm:cxn modelId="10" srcId="0" destId="4" srcOrd="3" destOrd="0"/>
-        <dgm:cxn modelId="11" srcId="0" destId="5" srcOrd="4" destOrd="0"/>
-        <dgm:cxn modelId="12" srcId="0" destId="6" srcOrd="5" destOrd="0"/>
-      </dgm:cxnLst>
-      <dgm:bg/>
-      <dgm:whole/>
-    </dgm:dataModel>
-  </dgm:clrData>
-  <dgm:layoutNode name="cycle">
-    <dgm:varLst>
-      <dgm:dir/>
-      <dgm:resizeHandles val="exact"/>
-    </dgm:varLst>
-    <dgm:choose name="Name0">
-      <dgm:if name="Name1" func="var" arg="dir" op="equ" val="norm">
-        <dgm:alg type="cycle">
-          <dgm:param type="stAng" val="0"/>
-          <dgm:param type="spanAng" val="360"/>
-        </dgm:alg>
-      </dgm:if>
-      <dgm:else name="Name2">
-        <dgm:alg type="cycle">
-          <dgm:param type="stAng" val="0"/>
-          <dgm:param type="spanAng" val="-360"/>
-        </dgm:alg>
-      </dgm:else>
-    </dgm:choose>
-    <dgm:shape xmlns:r="http://schemas.openxmlformats.org/officeDocument/2006/relationships" r:blip="">
-      <dgm:adjLst/>
-    </dgm:shape>
-    <dgm:presOf/>
-    <dgm:choose name="Name3">
-      <dgm:if name="Name4" func="var" arg="dir" op="equ" val="norm">
-        <dgm:constrLst>
-          <dgm:constr type="diam" val="1"/>
-          <dgm:constr type="w" for="ch" forName="node" refType="w"/>
-          <dgm:constr type="w" for="ch" ptType="sibTrans" refType="w" refFor="ch" refForName="node" fact="0.5"/>
-          <dgm:constr type="h" for="ch" ptType="sibTrans" op="equ"/>
-          <dgm:constr type="diam" for="ch" ptType="sibTrans" refType="diam" op="equ"/>
-          <dgm:constr type="sibSp" refType="w" refFor="ch" refForName="node" fact="0.15"/>
-          <dgm:constr type="w" for="ch" forName="dummy" refType="sibSp" fact="2.8"/>
-          <dgm:constr type="primFontSz" for="ch" forName="node" op="equ" val="65"/>
-        </dgm:constrLst>
-      </dgm:if>
-      <dgm:else name="Name5">
-        <dgm:constrLst>
-          <dgm:constr type="diam" val="1"/>
-          <dgm:constr type="w" for="ch" forName="node" refType="w"/>
-          <dgm:constr type="w" for="ch" ptType="sibTrans" refType="w" refFor="ch" refForName="node" fact="0.5"/>
-          <dgm:constr type="h" for="ch" ptType="sibTrans" op="equ"/>
-          <dgm:constr type="diam" for="ch" ptType="sibTrans" refType="diam" op="equ" fact="-1"/>
-          <dgm:constr type="sibSp" refType="w" refFor="ch" refForName="node" fact="0.15"/>
-          <dgm:constr type="w" for="ch" forName="dummy" refType="sibSp" fact="2.8"/>
-          <dgm:constr type="primFontSz" for="ch" forName="node" op="equ" val="65"/>
-        </dgm:constrLst>
-      </dgm:else>
-    </dgm:choose>
-    <dgm:ruleLst>
-      <dgm:rule type="diam" val="INF" fact="NaN" max="NaN"/>
-    </dgm:ruleLst>
-    <dgm:forEach name="nodesForEach" axis="ch" ptType="node">
-      <dgm:choose name="Name6">
-        <dgm:if name="Name7" axis="par ch" ptType="doc node" func="cnt" op="gt" val="1">
-          <dgm:layoutNode name="dummy">
-            <dgm:alg type="sp"/>
-            <dgm:shape xmlns:r="http://schemas.openxmlformats.org/officeDocument/2006/relationships" r:blip="">
-              <dgm:adjLst/>
-            </dgm:shape>
-            <dgm:presOf/>
-            <dgm:constrLst>
-              <dgm:constr type="h" refType="w"/>
-            </dgm:constrLst>
-            <dgm:ruleLst/>
-          </dgm:layoutNode>
-        </dgm:if>
-        <dgm:else name="Name8"/>
-      </dgm:choose>
-      <dgm:layoutNode name="node" styleLbl="revTx">
-        <dgm:varLst>
-          <dgm:bulletEnabled val="1"/>
-        </dgm:varLst>
-        <dgm:alg type="tx">
-          <dgm:param type="txAnchorVertCh" val="mid"/>
-        </dgm:alg>
-        <dgm:shape xmlns:r="http://schemas.openxmlformats.org/officeDocument/2006/relationships" type="rect" r:blip="">
-          <dgm:adjLst/>
-        </dgm:shape>
-        <dgm:presOf axis="desOrSelf" ptType="node"/>
-        <dgm:constrLst>
-          <dgm:constr type="h" refType="w"/>
-          <dgm:constr type="lMarg" refType="primFontSz" fact="0.1"/>
-          <dgm:constr type="rMarg" refType="primFontSz" fact="0.1"/>
-          <dgm:constr type="tMarg" refType="primFontSz" fact="0.1"/>
-          <dgm:constr type="bMarg" refType="primFontSz" fact="0.1"/>
-        </dgm:constrLst>
-        <dgm:ruleLst>
-          <dgm:rule type="primFontSz" val="5" fact="NaN" max="NaN"/>
-        </dgm:ruleLst>
-      </dgm:layoutNode>
-      <dgm:choose name="Name9">
-        <dgm:if name="Name10" axis="par ch" ptType="doc node" func="cnt" op="gt" val="1">
-          <dgm:forEach name="Name11" axis="followSib" ptType="sibTrans" hideLastTrans="0" cnt="1">
-            <dgm:layoutNode name="sibTrans" styleLbl="node1">
-              <dgm:alg type="conn">
-                <dgm:param type="connRout" val="curve"/>
-                <dgm:param type="begPts" val="radial"/>
-                <dgm:param type="endPts" val="radial"/>
-              </dgm:alg>
-              <dgm:shape xmlns:r="http://schemas.openxmlformats.org/officeDocument/2006/relationships" type="conn" r:blip="">
-                <dgm:adjLst/>
-              </dgm:shape>
-              <dgm:presOf axis="self"/>
-              <dgm:constrLst>
-                <dgm:constr type="h" refType="w" fact="0.65"/>
-                <dgm:constr type="begPad"/>
-                <dgm:constr type="endPad"/>
-              </dgm:constrLst>
-              <dgm:ruleLst/>
-            </dgm:layoutNode>
-          </dgm:forEach>
-        </dgm:if>
-        <dgm:else name="Name12"/>
-      </dgm:choose>
-    </dgm:forEach>
-  </dgm:layoutNode>
-</dgm:layoutDef>
-</file>
-
 <file path=ppt/diagrams/quickStyle1.xml><?xml version="1.0" encoding="utf-8"?>
-<dgm:styleDef xmlns:dgm="http://schemas.openxmlformats.org/drawingml/2006/diagram" xmlns:a="http://schemas.openxmlformats.org/drawingml/2006/main" uniqueId="urn:microsoft.com/office/officeart/2005/8/quickstyle/simple1">
-  <dgm:title val=""/>
-  <dgm:desc val=""/>
-  <dgm:catLst>
-    <dgm:cat type="simple" pri="10100"/>
-  </dgm:catLst>
-  <dgm:scene3d>
-    <a:camera prst="orthographicFront"/>
-    <a:lightRig rig="threePt" dir="t"/>
-  </dgm:scene3d>
-  <dgm:styleLbl name="node0">
-    <dgm:scene3d>
-      <a:camera prst="orthographicFront"/>
-      <a:lightRig rig="threePt" dir="t"/>
-    </dgm:scene3d>
-    <dgm:sp3d/>
-    <dgm:txPr/>
-    <dgm:style>
-      <a:lnRef idx="2">
-        <a:scrgbClr r="0" g="0" b="0"/>
-      </a:lnRef>
-      <a:fillRef idx="1">
-        <a:scrgbClr r="0" g="0" b="0"/>
-      </a:fillRef>
-      <a:effectRef idx="0">
-        <a:scrgbClr r="0" g="0" b="0"/>
-      </a:effectRef>
-      <a:fontRef idx="minor">
-        <a:schemeClr val="lt1"/>
-      </a:fontRef>
-    </dgm:style>
-  </dgm:styleLbl>
-  <dgm:styleLbl name="lnNode1">
-    <dgm:scene3d>
-      <a:camera prst="orthographicFront"/>
-      <a:lightRig rig="threePt" dir="t"/>
-    </dgm:scene3d>
-    <dgm:sp3d/>
-    <dgm:txPr/>
-    <dgm:style>
-      <a:lnRef idx="2">
-        <a:scrgbClr r="0" g="0" b="0"/>
-      </a:lnRef>
-      <a:fillRef idx="1">
-        <a:scrgbClr r="0" g="0" b="0"/>
-      </a:fillRef>
-      <a:effectRef idx="0">
-        <a:scrgbClr r="0" g="0" b="0"/>
-      </a:effectRef>
-      <a:fontRef idx="minor">
-        <a:schemeClr val="lt1"/>
-      </a:fontRef>
-    </dgm:style>
-  </dgm:styleLbl>
-  <dgm:styleLbl name="vennNode1">
-    <dgm:scene3d>
-      <a:camera prst="orthographicFront"/>
-      <a:lightRig rig="threePt" dir="t"/>
-    </dgm:scene3d>
-    <dgm:sp3d/>
-    <dgm:txPr/>
-    <dgm:style>
-      <a:lnRef idx="2">
-        <a:scrgbClr r="0" g="0" b="0"/>
-      </a:lnRef>
-      <a:fillRef idx="1">
-        <a:scrgbClr r="0" g="0" b="0"/>
-      </a:fillRef>
-      <a:effectRef idx="0">
-        <a:scrgbClr r="0" g="0" b="0"/>
-      </a:effectRef>
-      <a:fontRef idx="minor">
-        <a:schemeClr val="tx1"/>
-      </a:fontRef>
-    </dgm:style>
-  </dgm:styleLbl>
-  <dgm:styleLbl name="alignNode1">
-    <dgm:scene3d>
-      <a:camera prst="orthographicFront"/>
-      <a:lightRig rig="threePt" dir="t"/>
-    </dgm:scene3d>
-    <dgm:sp3d/>
-    <dgm:txPr/>
-    <dgm:style>
-      <a:lnRef idx="2">
-        <a:scrgbClr r="0" g="0" b="0"/>
-      </a:lnRef>
-      <a:fillRef idx="1">
-        <a:scrgbClr r="0" g="0" b="0"/>
-      </a:fillRef>
-      <a:effectRef idx="0">
-        <a:scrgbClr r="0" g="0" b="0"/>
-      </a:effectRef>
-      <a:fontRef idx="minor">
-        <a:schemeClr val="lt1"/>
-      </a:fontRef>
-    </dgm:style>
-  </dgm:styleLbl>
-  <dgm:styleLbl name="node1">
-    <dgm:scene3d>
-      <a:camera prst="orthographicFront"/>
-      <a:lightRig rig="threePt" dir="t"/>
-    </dgm:scene3d>
-    <dgm:sp3d/>
-    <dgm:txPr/>
-    <dgm:style>
-      <a:lnRef idx="2">
-        <a:scrgbClr r="0" g="0" b="0"/>
-      </a:lnRef>
-      <a:fillRef idx="1">
-        <a:scrgbClr r="0" g="0" b="0"/>
-      </a:fillRef>
-      <a:effectRef idx="0">
-        <a:scrgbClr r="0" g="0" b="0"/>
-      </a:effectRef>
-      <a:fontRef idx="minor">
-        <a:schemeClr val="lt1"/>
-      </a:fontRef>
-    </dgm:style>
-  </dgm:styleLbl>
-  <dgm:styleLbl name="node2">
-    <dgm:scene3d>
-      <a:camera prst="orthographicFront"/>
-      <a:lightRig rig="threePt" dir="t"/>
-    </dgm:scene3d>
-    <dgm:sp3d/>
-    <dgm:txPr/>
-    <dgm:style>
-      <a:lnRef idx="2">
-        <a:scrgbClr r="0" g="0" b="0"/>
-      </a:lnRef>
-      <a:fillRef idx="1">
-        <a:scrgbClr r="0" g="0" b="0"/>
-      </a:fillRef>
-      <a:effectRef idx="0">
-        <a:scrgbClr r="0" g="0" b="0"/>
-      </a:effectRef>
-      <a:fontRef idx="minor">
-        <a:schemeClr val="lt1"/>
-      </a:fontRef>
-    </dgm:style>
-  </dgm:styleLbl>
-  <dgm:styleLbl name="node3">
-    <dgm:scene3d>
-      <a:camera prst="orthographicFront"/>
-      <a:lightRig rig="threePt" dir="t"/>
-    </dgm:scene3d>
-    <dgm:sp3d/>
-    <dgm:txPr/>
-    <dgm:style>
-      <a:lnRef idx="2">
-        <a:scrgbClr r="0" g="0" b="0"/>
-      </a:lnRef>
-      <a:fillRef idx="1">
-        <a:scrgbClr r="0" g="0" b="0"/>
-      </a:fillRef>
-      <a:effectRef idx="0">
-        <a:scrgbClr r="0" g="0" b="0"/>
-      </a:effectRef>
-      <a:fontRef idx="minor">
-        <a:schemeClr val="lt1"/>
-      </a:fontRef>
-    </dgm:style>
-  </dgm:styleLbl>
-  <dgm:styleLbl name="node4">
-    <dgm:scene3d>
-      <a:camera prst="orthographicFront"/>
-      <a:lightRig rig="threePt" dir="t"/>
-    </dgm:scene3d>
-    <dgm:sp3d/>
-    <dgm:txPr/>
-    <dgm:style>
-      <a:lnRef idx="2">
-        <a:scrgbClr r="0" g="0" b="0"/>
-      </a:lnRef>
-      <a:fillRef idx="1">
-        <a:scrgbClr r="0" g="0" b="0"/>
-      </a:fillRef>
-      <a:effectRef idx="0">
-        <a:scrgbClr r="0" g="0" b="0"/>
-      </a:effectRef>
-      <a:fontRef idx="minor">
-        <a:schemeClr val="lt1"/>
-      </a:fontRef>
-    </dgm:style>
-  </dgm:styleLbl>
-  <dgm:styleLbl name="fgImgPlace1">
-    <dgm:scene3d>
-      <a:camera prst="orthographicFront"/>
-      <a:lightRig rig="threePt" dir="t"/>
-    </dgm:scene3d>
-    <dgm:sp3d/>
-    <dgm:txPr/>
-    <dgm:style>
-      <a:lnRef idx="2">
-        <a:scrgbClr r="0" g="0" b="0"/>
-      </a:lnRef>
-      <a:fillRef idx="1">
-        <a:scrgbClr r="0" g="0" b="0"/>
-      </a:fillRef>
-      <a:effectRef idx="0">
-        <a:scrgbClr r="0" g="0" b="0"/>
-      </a:effectRef>
-      <a:fontRef idx="minor"/>
-    </dgm:style>
-  </dgm:styleLbl>
-  <dgm:styleLbl name="alignImgPlace1">
-    <dgm:scene3d>
-      <a:camera prst="orthographicFront"/>
-      <a:lightRig rig="threePt" dir="t"/>
-    </dgm:scene3d>
-    <dgm:sp3d/>
-    <dgm:txPr/>
-    <dgm:style>
-      <a:lnRef idx="2">
-        <a:scrgbClr r="0" g="0" b="0"/>
-      </a:lnRef>
-      <a:fillRef idx="1">
-        <a:scrgbClr r="0" g="0" b="0"/>
-      </a:fillRef>
-      <a:effectRef idx="0">
-        <a:scrgbClr r="0" g="0" b="0"/>
-      </a:effectRef>
-      <a:fontRef idx="minor"/>
-    </dgm:style>
-  </dgm:styleLbl>
-  <dgm:styleLbl name="bgImgPlace1">
-    <dgm:scene3d>
-      <a:camera prst="orthographicFront"/>
-      <a:lightRig rig="threePt" dir="t"/>
-    </dgm:scene3d>
-    <dgm:sp3d/>
-    <dgm:txPr/>
-    <dgm:style>
-      <a:lnRef idx="2">
-        <a:scrgbClr r="0" g="0" b="0"/>
-      </a:lnRef>
-      <a:fillRef idx="1">
-        <a:scrgbClr r="0" g="0" b="0"/>
-      </a:fillRef>
-      <a:effectRef idx="0">
-        <a:scrgbClr r="0" g="0" b="0"/>
-      </a:effectRef>
-      <a:fontRef idx="minor"/>
-    </dgm:style>
-  </dgm:styleLbl>
-  <dgm:styleLbl name="sibTrans2D1">
-    <dgm:scene3d>
-      <a:camera prst="orthographicFront"/>
-      <a:lightRig rig="threePt" dir="t"/>
-    </dgm:scene3d>
-    <dgm:sp3d/>
-    <dgm:txPr/>
-    <dgm:style>
-      <a:lnRef idx="0">
-        <a:scrgbClr r="0" g="0" b="0"/>
-      </a:lnRef>
-      <a:fillRef idx="1">
-        <a:scrgbClr r="0" g="0" b="0"/>
-      </a:fillRef>
-      <a:effectRef idx="0">
-        <a:scrgbClr r="0" g="0" b="0"/>
-      </a:effectRef>
-      <a:fontRef idx="minor">
-        <a:schemeClr val="lt1"/>
-      </a:fontRef>
-    </dgm:style>
-  </dgm:styleLbl>
-  <dgm:styleLbl name="fgSibTrans2D1">
-    <dgm:scene3d>
-      <a:camera prst="orthographicFront"/>
-      <a:lightRig rig="threePt" dir="t"/>
-    </dgm:scene3d>
-    <dgm:sp3d/>
-    <dgm:txPr/>
-    <dgm:style>
-      <a:lnRef idx="0">
-        <a:scrgbClr r="0" g="0" b="0"/>
-      </a:lnRef>
-      <a:fillRef idx="1">
-        <a:scrgbClr r="0" g="0" b="0"/>
-      </a:fillRef>
-      <a:effectRef idx="0">
-        <a:scrgbClr r="0" g="0" b="0"/>
-      </a:effectRef>
-      <a:fontRef idx="minor">
-        <a:schemeClr val="lt1"/>
-      </a:fontRef>
-    </dgm:style>
-  </dgm:styleLbl>
-  <dgm:styleLbl name="bgSibTrans2D1">
-    <dgm:scene3d>
-      <a:camera prst="orthographicFront"/>
-      <a:lightRig rig="threePt" dir="t"/>
-    </dgm:scene3d>
-    <dgm:sp3d/>
-    <dgm:txPr/>
-    <dgm:style>
-      <a:lnRef idx="0">
-        <a:scrgbClr r="0" g="0" b="0"/>
-      </a:lnRef>
-      <a:fillRef idx="1">
-        <a:scrgbClr r="0" g="0" b="0"/>
-      </a:fillRef>
-      <a:effectRef idx="0">
-        <a:scrgbClr r="0" g="0" b="0"/>
-      </a:effectRef>
-      <a:fontRef idx="minor">
-        <a:schemeClr val="lt1"/>
-      </a:fontRef>
-    </dgm:style>
-  </dgm:styleLbl>
-  <dgm:styleLbl name="sibTrans1D1">
-    <dgm:scene3d>
-      <a:camera prst="orthographicFront"/>
-      <a:lightRig rig="threePt" dir="t"/>
-    </dgm:scene3d>
-    <dgm:sp3d/>
-    <dgm:txPr/>
-    <dgm:style>
-      <a:lnRef idx="1">
-        <a:scrgbClr r="0" g="0" b="0"/>
-      </a:lnRef>
-      <a:fillRef idx="0">
-        <a:scrgbClr r="0" g="0" b="0"/>
-      </a:fillRef>
-      <a:effectRef idx="0">
-        <a:scrgbClr r="0" g="0" b="0"/>
-      </a:effectRef>
-      <a:fontRef idx="minor"/>
-    </dgm:style>
-  </dgm:styleLbl>
-  <dgm:styleLbl name="callout">
-    <dgm:scene3d>
-      <a:camera prst="orthographicFront"/>
-      <a:lightRig rig="threePt" dir="t"/>
-    </dgm:scene3d>
-    <dgm:sp3d/>
-    <dgm:txPr/>
-    <dgm:style>
-      <a:lnRef idx="2">
-        <a:scrgbClr r="0" g="0" b="0"/>
-      </a:lnRef>
-      <a:fillRef idx="1">
-        <a:scrgbClr r="0" g="0" b="0"/>
-      </a:fillRef>
-      <a:effectRef idx="0">
-        <a:scrgbClr r="0" g="0" b="0"/>
-      </a:effectRef>
-      <a:fontRef idx="minor"/>
-    </dgm:style>
-  </dgm:styleLbl>
-  <dgm:styleLbl name="asst0">
-    <dgm:scene3d>
-      <a:camera prst="orthographicFront"/>
-      <a:lightRig rig="threePt" dir="t"/>
-    </dgm:scene3d>
-    <dgm:sp3d/>
-    <dgm:txPr/>
-    <dgm:style>
-      <a:lnRef idx="2">
-        <a:scrgbClr r="0" g="0" b="0"/>
-      </a:lnRef>
-      <a:fillRef idx="1">
-        <a:scrgbClr r="0" g="0" b="0"/>
-      </a:fillRef>
-      <a:effectRef idx="0">
-        <a:scrgbClr r="0" g="0" b="0"/>
-      </a:effectRef>
-      <a:fontRef idx="minor">
-        <a:schemeClr val="lt1"/>
-      </a:fontRef>
-    </dgm:style>
-  </dgm:styleLbl>
-  <dgm:styleLbl name="asst1">
-    <dgm:scene3d>
-      <a:camera prst="orthographicFront"/>
-      <a:lightRig rig="threePt" dir="t"/>
-    </dgm:scene3d>
-    <dgm:sp3d/>
-    <dgm:txPr/>
-    <dgm:style>
-      <a:lnRef idx="2">
-        <a:scrgbClr r="0" g="0" b="0"/>
-      </a:lnRef>
-      <a:fillRef idx="1">
-        <a:scrgbClr r="0" g="0" b="0"/>
-      </a:fillRef>
-      <a:effectRef idx="0">
-        <a:scrgbClr r="0" g="0" b="0"/>
-      </a:effectRef>
-      <a:fontRef idx="minor">
-        <a:schemeClr val="lt1"/>
-      </a:fontRef>
-    </dgm:style>
-  </dgm:styleLbl>
-  <dgm:styleLbl name="asst2">
-    <dgm:scene3d>
-      <a:camera prst="orthographicFront"/>
-      <a:lightRig rig="threePt" dir="t"/>
-    </dgm:scene3d>
-    <dgm:sp3d/>
-    <dgm:txPr/>
-    <dgm:style>
-      <a:lnRef idx="2">
-        <a:scrgbClr r="0" g="0" b="0"/>
-      </a:lnRef>
-      <a:fillRef idx="1">
-        <a:scrgbClr r="0" g="0" b="0"/>
-      </a:fillRef>
-      <a:effectRef idx="0">
-        <a:scrgbClr r="0" g="0" b="0"/>
-      </a:effectRef>
-      <a:fontRef idx="minor">
-        <a:schemeClr val="lt1"/>
-      </a:fontRef>
-    </dgm:style>
-  </dgm:styleLbl>
-  <dgm:styleLbl name="asst3">
-    <dgm:scene3d>
-      <a:camera prst="orthographicFront"/>
-      <a:lightRig rig="threePt" dir="t"/>
-    </dgm:scene3d>
-    <dgm:sp3d/>
-    <dgm:txPr/>
-    <dgm:style>
-      <a:lnRef idx="2">
-        <a:scrgbClr r="0" g="0" b="0"/>
-      </a:lnRef>
-      <a:fillRef idx="1">
-        <a:scrgbClr r="0" g="0" b="0"/>
-      </a:fillRef>
-      <a:effectRef idx="0">
-        <a:scrgbClr r="0" g="0" b="0"/>
-      </a:effectRef>
-      <a:fontRef idx="minor">
-        <a:schemeClr val="lt1"/>
-      </a:fontRef>
-    </dgm:style>
-  </dgm:styleLbl>
-  <dgm:styleLbl name="asst4">
-    <dgm:scene3d>
-      <a:camera prst="orthographicFront"/>
-      <a:lightRig rig="threePt" dir="t"/>
-    </dgm:scene3d>
-    <dgm:sp3d/>
-    <dgm:txPr/>
-    <dgm:style>
-      <a:lnRef idx="2">
-        <a:scrgbClr r="0" g="0" b="0"/>
-      </a:lnRef>
-      <a:fillRef idx="1">
-        <a:scrgbClr r="0" g="0" b="0"/>
-      </a:fillRef>
-      <a:effectRef idx="0">
-        <a:scrgbClr r="0" g="0" b="0"/>
-      </a:effectRef>
-      <a:fontRef idx="minor">
-        <a:schemeClr val="lt1"/>
-      </a:fontRef>
-    </dgm:style>
-  </dgm:styleLbl>
-  <dgm:styleLbl name="parChTrans2D1">
-    <dgm:scene3d>
-      <a:camera prst="orthographicFront"/>
-      <a:lightRig rig="threePt" dir="t"/>
-    </dgm:scene3d>
-    <dgm:sp3d/>
-    <dgm:txPr/>
-    <dgm:style>
-      <a:lnRef idx="2">
-        <a:scrgbClr r="0" g="0" b="0"/>
-      </a:lnRef>
-      <a:fillRef idx="1">
-        <a:scrgbClr r="0" g="0" b="0"/>
-      </a:fillRef>
-      <a:effectRef idx="0">
-        <a:scrgbClr r="0" g="0" b="0"/>
-      </a:effectRef>
-      <a:fontRef idx="minor">
-        <a:schemeClr val="lt1"/>
-      </a:fontRef>
-    </dgm:style>
-  </dgm:styleLbl>
-  <dgm:styleLbl name="parChTrans2D2">
-    <dgm:scene3d>
-      <a:camera prst="orthographicFront"/>
-      <a:lightRig rig="threePt" dir="t"/>
-    </dgm:scene3d>
-    <dgm:sp3d/>
-    <dgm:txPr/>
-    <dgm:style>
-      <a:lnRef idx="2">
-        <a:scrgbClr r="0" g="0" b="0"/>
-      </a:lnRef>
-      <a:fillRef idx="1">
-        <a:scrgbClr r="0" g="0" b="0"/>
-      </a:fillRef>
-      <a:effectRef idx="0">
-        <a:scrgbClr r="0" g="0" b="0"/>
-      </a:effectRef>
-      <a:fontRef idx="minor">
-        <a:schemeClr val="lt1"/>
-      </a:fontRef>
-    </dgm:style>
-  </dgm:styleLbl>
-  <dgm:styleLbl name="parChTrans2D3">
-    <dgm:scene3d>
-      <a:camera prst="orthographicFront"/>
-      <a:lightRig rig="threePt" dir="t"/>
-    </dgm:scene3d>
-    <dgm:sp3d/>
-    <dgm:txPr/>
-    <dgm:style>
-      <a:lnRef idx="2">
-        <a:scrgbClr r="0" g="0" b="0"/>
-      </a:lnRef>
-      <a:fillRef idx="1">
-        <a:scrgbClr r="0" g="0" b="0"/>
-      </a:fillRef>
-      <a:effectRef idx="0">
-        <a:scrgbClr r="0" g="0" b="0"/>
-      </a:effectRef>
-      <a:fontRef idx="minor">
-        <a:schemeClr val="lt1"/>
-      </a:fontRef>
-    </dgm:style>
-  </dgm:styleLbl>
-  <dgm:styleLbl name="parChTrans2D4">
-    <dgm:scene3d>
-      <a:camera prst="orthographicFront"/>
-      <a:lightRig rig="threePt" dir="t"/>
-    </dgm:scene3d>
-    <dgm:sp3d/>
-    <dgm:txPr/>
-    <dgm:style>
-      <a:lnRef idx="2">
-        <a:scrgbClr r="0" g="0" b="0"/>
-      </a:lnRef>
-      <a:fillRef idx="1">
-        <a:scrgbClr r="0" g="0" b="0"/>
-      </a:fillRef>
-      <a:effectRef idx="0">
-        <a:scrgbClr r="0" g="0" b="0"/>
-      </a:effectRef>
-      <a:fontRef idx="minor">
-        <a:schemeClr val="lt1"/>
-      </a:fontRef>
-    </dgm:style>
-  </dgm:styleLbl>
-  <dgm:styleLbl name="parChTrans1D1">
-    <dgm:scene3d>
-      <a:camera prst="orthographicFront"/>
-      <a:lightRig rig="threePt" dir="t"/>
-    </dgm:scene3d>
-    <dgm:sp3d/>
-    <dgm:txPr/>
-    <dgm:style>
-      <a:lnRef idx="2">
-        <a:scrgbClr r="0" g="0" b="0"/>
-      </a:lnRef>
-      <a:fillRef idx="0">
-        <a:scrgbClr r="0" g="0" b="0"/>
-      </a:fillRef>
-      <a:effectRef idx="0">
-        <a:scrgbClr r="0" g="0" b="0"/>
-      </a:effectRef>
-      <a:fontRef idx="minor"/>
-    </dgm:style>
-  </dgm:styleLbl>
-  <dgm:styleLbl name="parChTrans1D2">
-    <dgm:scene3d>
-      <a:camera prst="orthographicFront"/>
-      <a:lightRig rig="threePt" dir="t"/>
-    </dgm:scene3d>
-    <dgm:sp3d/>
-    <dgm:txPr/>
-    <dgm:style>
-      <a:lnRef idx="2">
-        <a:scrgbClr r="0" g="0" b="0"/>
-      </a:lnRef>
-      <a:fillRef idx="0">
-        <a:scrgbClr r="0" g="0" b="0"/>
-      </a:fillRef>
-      <a:effectRef idx="0">
-        <a:scrgbClr r="0" g="0" b="0"/>
-      </a:effectRef>
-      <a:fontRef idx="minor"/>
-    </dgm:style>
-  </dgm:styleLbl>
-  <dgm:styleLbl name="parChTrans1D3">
-    <dgm:scene3d>
-      <a:camera prst="orthographicFront"/>
-      <a:lightRig rig="threePt" dir="t"/>
-    </dgm:scene3d>
-    <dgm:sp3d/>
-    <dgm:txPr/>
-    <dgm:style>
-      <a:lnRef idx="2">
-        <a:scrgbClr r="0" g="0" b="0"/>
-      </a:lnRef>
-      <a:fillRef idx="0">
-        <a:scrgbClr r="0" g="0" b="0"/>
-      </a:fillRef>
-      <a:effectRef idx="0">
-        <a:scrgbClr r="0" g="0" b="0"/>
-      </a:effectRef>
-      <a:fontRef idx="minor"/>
-    </dgm:style>
-  </dgm:styleLbl>
-  <dgm:styleLbl name="parChTrans1D4">
-    <dgm:scene3d>
-      <a:camera prst="orthographicFront"/>
-      <a:lightRig rig="threePt" dir="t"/>
-    </dgm:scene3d>
-    <dgm:sp3d/>
-    <dgm:txPr/>
-    <dgm:style>
-      <a:lnRef idx="2">
-        <a:scrgbClr r="0" g="0" b="0"/>
-      </a:lnRef>
-      <a:fillRef idx="0">
-        <a:scrgbClr r="0" g="0" b="0"/>
-      </a:fillRef>
-      <a:effectRef idx="0">
-        <a:scrgbClr r="0" g="0" b="0"/>
-      </a:effectRef>
-      <a:fontRef idx="minor"/>
-    </dgm:style>
-  </dgm:styleLbl>
-  <dgm:styleLbl name="fgAcc1">
-    <dgm:scene3d>
-      <a:camera prst="orthographicFront"/>
-      <a:lightRig rig="threePt" dir="t"/>
-    </dgm:scene3d>
-    <dgm:sp3d/>
-    <dgm:txPr/>
-    <dgm:style>
-      <a:lnRef idx="2">
-        <a:scrgbClr r="0" g="0" b="0"/>
-      </a:lnRef>
-      <a:fillRef idx="1">
-        <a:scrgbClr r="0" g="0" b="0"/>
-      </a:fillRef>
-      <a:effectRef idx="0">
-        <a:scrgbClr r="0" g="0" b="0"/>
-      </a:effectRef>
-      <a:fontRef idx="minor"/>
-    </dgm:style>
-  </dgm:styleLbl>
-  <dgm:styleLbl name="conFgAcc1">
-    <dgm:scene3d>
-      <a:camera prst="orthographicFront"/>
-      <a:lightRig rig="threePt" dir="t"/>
-    </dgm:scene3d>
-    <dgm:sp3d/>
-    <dgm:txPr/>
-    <dgm:style>
-      <a:lnRef idx="2">
-        <a:scrgbClr r="0" g="0" b="0"/>
-      </a:lnRef>
-      <a:fillRef idx="1">
-        <a:scrgbClr r="0" g="0" b="0"/>
-      </a:fillRef>
-      <a:effectRef idx="0">
-        <a:scrgbClr r="0" g="0" b="0"/>
-      </a:effectRef>
-      <a:fontRef idx="minor"/>
-    </dgm:style>
-  </dgm:styleLbl>
-  <dgm:styleLbl name="alignAcc1">
-    <dgm:scene3d>
-      <a:camera prst="orthographicFront"/>
-      <a:lightRig rig="threePt" dir="t"/>
-    </dgm:scene3d>
-    <dgm:sp3d/>
-    <dgm:txPr/>
-    <dgm:style>
-      <a:lnRef idx="2">
-        <a:scrgbClr r="0" g="0" b="0"/>
-      </a:lnRef>
-      <a:fillRef idx="1">
-        <a:scrgbClr r="0" g="0" b="0"/>
-      </a:fillRef>
-      <a:effectRef idx="0">
-        <a:scrgbClr r="0" g="0" b="0"/>
-      </a:effectRef>
-      <a:fontRef idx="minor"/>
-    </dgm:style>
-  </dgm:styleLbl>
-  <dgm:styleLbl name="trAlignAcc1">
-    <dgm:scene3d>
-      <a:camera prst="orthographicFront"/>
-      <a:lightRig rig="threePt" dir="t"/>
-    </dgm:scene3d>
-    <dgm:sp3d/>
-    <dgm:txPr/>
-    <dgm:style>
-      <a:lnRef idx="1">
-        <a:scrgbClr r="0" g="0" b="0"/>
-      </a:lnRef>
-      <a:fillRef idx="1">
-        <a:scrgbClr r="0" g="0" b="0"/>
-      </a:fillRef>
-      <a:effectRef idx="0">
-        <a:scrgbClr r="0" g="0" b="0"/>
-      </a:effectRef>
-      <a:fontRef idx="minor"/>
-    </dgm:style>
-  </dgm:styleLbl>
-  <dgm:styleLbl name="bgAcc1">
-    <dgm:scene3d>
-      <a:camera prst="orthographicFront"/>
-      <a:lightRig rig="threePt" dir="t"/>
-    </dgm:scene3d>
-    <dgm:sp3d/>
-    <dgm:txPr/>
-    <dgm:style>
-      <a:lnRef idx="2">
-        <a:scrgbClr r="0" g="0" b="0"/>
-      </a:lnRef>
-      <a:fillRef idx="1">
-        <a:scrgbClr r="0" g="0" b="0"/>
-      </a:fillRef>
-      <a:effectRef idx="0">
-        <a:scrgbClr r="0" g="0" b="0"/>
-      </a:effectRef>
-      <a:fontRef idx="minor"/>
-    </dgm:style>
-  </dgm:styleLbl>
-  <dgm:styleLbl name="solidFgAcc1">
-    <dgm:scene3d>
-      <a:camera prst="orthographicFront"/>
-      <a:lightRig rig="threePt" dir="t"/>
-    </dgm:scene3d>
-    <dgm:sp3d/>
-    <dgm:txPr/>
-    <dgm:style>
-      <a:lnRef idx="2">
-        <a:scrgbClr r="0" g="0" b="0"/>
-      </a:lnRef>
-      <a:fillRef idx="1">
-        <a:scrgbClr r="0" g="0" b="0"/>
-      </a:fillRef>
-      <a:effectRef idx="0">
-        <a:scrgbClr r="0" g="0" b="0"/>
-      </a:effectRef>
-      <a:fontRef idx="minor"/>
-    </dgm:style>
-  </dgm:styleLbl>
-  <dgm:styleLbl name="solidAlignAcc1">
-    <dgm:scene3d>
-      <a:camera prst="orthographicFront"/>
-      <a:lightRig rig="threePt" dir="t"/>
-    </dgm:scene3d>
-    <dgm:sp3d/>
-    <dgm:txPr/>
-    <dgm:style>
-      <a:lnRef idx="2">
-        <a:scrgbClr r="0" g="0" b="0"/>
-      </a:lnRef>
-      <a:fillRef idx="1">
-        <a:scrgbClr r="0" g="0" b="0"/>
-      </a:fillRef>
-      <a:effectRef idx="0">
-        <a:scrgbClr r="0" g="0" b="0"/>
-      </a:effectRef>
-      <a:fontRef idx="minor"/>
-    </dgm:style>
-  </dgm:styleLbl>
-  <dgm:styleLbl name="solidBgAcc1">
-    <dgm:scene3d>
-      <a:camera prst="orthographicFront"/>
-      <a:lightRig rig="threePt" dir="t"/>
-    </dgm:scene3d>
-    <dgm:sp3d/>
-    <dgm:txPr/>
-    <dgm:style>
-      <a:lnRef idx="2">
-        <a:scrgbClr r="0" g="0" b="0"/>
-      </a:lnRef>
-      <a:fillRef idx="1">
-        <a:scrgbClr r="0" g="0" b="0"/>
-      </a:fillRef>
-      <a:effectRef idx="0">
-        <a:scrgbClr r="0" g="0" b="0"/>
-      </a:effectRef>
-      <a:fontRef idx="minor"/>
-    </dgm:style>
-  </dgm:styleLbl>
-  <dgm:styleLbl name="fgAccFollowNode1">
-    <dgm:scene3d>
-      <a:camera prst="orthographicFront"/>
-      <a:lightRig rig="threePt" dir="t"/>
-    </dgm:scene3d>
-    <dgm:sp3d/>
-    <dgm:txPr/>
-    <dgm:style>
-      <a:lnRef idx="2">
-        <a:scrgbClr r="0" g="0" b="0"/>
-      </a:lnRef>
-      <a:fillRef idx="1">
-        <a:scrgbClr r="0" g="0" b="0"/>
-      </a:fillRef>
-      <a:effectRef idx="0">
-        <a:scrgbClr r="0" g="0" b="0"/>
-      </a:effectRef>
-      <a:fontRef idx="minor"/>
-    </dgm:style>
-  </dgm:styleLbl>
-  <dgm:styleLbl name="alignAccFollowNode1">
-    <dgm:scene3d>
-      <a:camera prst="orthographicFront"/>
-      <a:lightRig rig="threePt" dir="t"/>
-    </dgm:scene3d>
-    <dgm:sp3d/>
-    <dgm:txPr/>
-    <dgm:style>
-      <a:lnRef idx="2">
-        <a:scrgbClr r="0" g="0" b="0"/>
-      </a:lnRef>
-      <a:fillRef idx="1">
-        <a:scrgbClr r="0" g="0" b="0"/>
-      </a:fillRef>
-      <a:effectRef idx="0">
-        <a:scrgbClr r="0" g="0" b="0"/>
-      </a:effectRef>
-      <a:fontRef idx="minor"/>
-    </dgm:style>
-  </dgm:styleLbl>
-  <dgm:styleLbl name="bgAccFollowNode1">
-    <dgm:scene3d>
-      <a:camera prst="orthographicFront"/>
-      <a:lightRig rig="threePt" dir="t"/>
-    </dgm:scene3d>
-    <dgm:sp3d/>
-    <dgm:txPr/>
-    <dgm:style>
-      <a:lnRef idx="2">
-        <a:scrgbClr r="0" g="0" b="0"/>
-      </a:lnRef>
-      <a:fillRef idx="1">
-        <a:scrgbClr r="0" g="0" b="0"/>
-      </a:fillRef>
-      <a:effectRef idx="0">
-        <a:scrgbClr r="0" g="0" b="0"/>
-      </a:effectRef>
-      <a:fontRef idx="minor"/>
-    </dgm:style>
-  </dgm:styleLbl>
-  <dgm:styleLbl name="fgAcc0">
-    <dgm:scene3d>
-      <a:camera prst="orthographicFront"/>
-      <a:lightRig rig="threePt" dir="t"/>
-    </dgm:scene3d>
-    <dgm:sp3d/>
-    <dgm:txPr/>
-    <dgm:style>
-      <a:lnRef idx="2">
-        <a:scrgbClr r="0" g="0" b="0"/>
-      </a:lnRef>
-      <a:fillRef idx="1">
-        <a:scrgbClr r="0" g="0" b="0"/>
-      </a:fillRef>
-      <a:effectRef idx="0">
-        <a:scrgbClr r="0" g="0" b="0"/>
-      </a:effectRef>
-      <a:fontRef idx="minor"/>
-    </dgm:style>
-  </dgm:styleLbl>
-  <dgm:styleLbl name="fgAcc2">
-    <dgm:scene3d>
-      <a:camera prst="orthographicFront"/>
-      <a:lightRig rig="threePt" dir="t"/>
-    </dgm:scene3d>
-    <dgm:sp3d/>
-    <dgm:txPr/>
-    <dgm:style>
-      <a:lnRef idx="2">
-        <a:scrgbClr r="0" g="0" b="0"/>
-      </a:lnRef>
-      <a:fillRef idx="1">
-        <a:scrgbClr r="0" g="0" b="0"/>
-      </a:fillRef>
-      <a:effectRef idx="0">
-        <a:scrgbClr r="0" g="0" b="0"/>
-      </a:effectRef>
-      <a:fontRef idx="minor"/>
-    </dgm:style>
-  </dgm:styleLbl>
-  <dgm:styleLbl name="fgAcc3">
-    <dgm:scene3d>
-      <a:camera prst="orthographicFront"/>
-      <a:lightRig rig="threePt" dir="t"/>
-    </dgm:scene3d>
-    <dgm:sp3d/>
-    <dgm:txPr/>
-    <dgm:style>
-      <a:lnRef idx="2">
-        <a:scrgbClr r="0" g="0" b="0"/>
-      </a:lnRef>
-      <a:fillRef idx="1">
-        <a:scrgbClr r="0" g="0" b="0"/>
-      </a:fillRef>
-      <a:effectRef idx="0">
-        <a:scrgbClr r="0" g="0" b="0"/>
-      </a:effectRef>
-      <a:fontRef idx="minor"/>
-    </dgm:style>
-  </dgm:styleLbl>
-  <dgm:styleLbl name="fgAcc4">
-    <dgm:scene3d>
-      <a:camera prst="orthographicFront"/>
-      <a:lightRig rig="threePt" dir="t"/>
-    </dgm:scene3d>
-    <dgm:sp3d/>
-    <dgm:txPr/>
-    <dgm:style>
-      <a:lnRef idx="2">
-        <a:scrgbClr r="0" g="0" b="0"/>
-      </a:lnRef>
-      <a:fillRef idx="1">
-        <a:scrgbClr r="0" g="0" b="0"/>
-      </a:fillRef>
-      <a:effectRef idx="0">
-        <a:scrgbClr r="0" g="0" b="0"/>
-      </a:effectRef>
-      <a:fontRef idx="minor"/>
-    </dgm:style>
-  </dgm:styleLbl>
-  <dgm:styleLbl name="bgShp">
-    <dgm:scene3d>
-      <a:camera prst="orthographicFront"/>
-      <a:lightRig rig="threePt" dir="t"/>
-    </dgm:scene3d>
-    <dgm:sp3d/>
-    <dgm:txPr/>
-    <dgm:style>
-      <a:lnRef idx="0">
-        <a:scrgbClr r="0" g="0" b="0"/>
-      </a:lnRef>
-      <a:fillRef idx="1">
-        <a:scrgbClr r="0" g="0" b="0"/>
-      </a:fillRef>
-      <a:effectRef idx="0">
-        <a:scrgbClr r="0" g="0" b="0"/>
-      </a:effectRef>
-      <a:fontRef idx="minor"/>
-    </dgm:style>
-  </dgm:styleLbl>
-  <dgm:styleLbl name="dkBgShp">
-    <dgm:scene3d>
-      <a:camera prst="orthographicFront"/>
-      <a:lightRig rig="threePt" dir="t"/>
-    </dgm:scene3d>
-    <dgm:sp3d/>
-    <dgm:txPr/>
-    <dgm:style>
-      <a:lnRef idx="0">
-        <a:scrgbClr r="0" g="0" b="0"/>
-      </a:lnRef>
-      <a:fillRef idx="1">
-        <a:scrgbClr r="0" g="0" b="0"/>
-      </a:fillRef>
-      <a:effectRef idx="0">
-        <a:scrgbClr r="0" g="0" b="0"/>
-      </a:effectRef>
-      <a:fontRef idx="minor"/>
-    </dgm:style>
-  </dgm:styleLbl>
-  <dgm:styleLbl name="trBgShp">
-    <dgm:scene3d>
-      <a:camera prst="orthographicFront"/>
-      <a:lightRig rig="threePt" dir="t"/>
-    </dgm:scene3d>
-    <dgm:sp3d/>
-    <dgm:txPr/>
-    <dgm:style>
-      <a:lnRef idx="0">
-        <a:scrgbClr r="0" g="0" b="0"/>
-      </a:lnRef>
-      <a:fillRef idx="1">
-        <a:scrgbClr r="0" g="0" b="0"/>
-      </a:fillRef>
-      <a:effectRef idx="0">
-        <a:scrgbClr r="0" g="0" b="0"/>
-      </a:effectRef>
-      <a:fontRef idx="minor"/>
-    </dgm:style>
-  </dgm:styleLbl>
-  <dgm:styleLbl name="fgShp">
-    <dgm:scene3d>
-      <a:camera prst="orthographicFront"/>
-      <a:lightRig rig="threePt" dir="t"/>
-    </dgm:scene3d>
-    <dgm:sp3d/>
-    <dgm:txPr/>
-    <dgm:style>
-      <a:lnRef idx="2">
-        <a:scrgbClr r="0" g="0" b="0"/>
-      </a:lnRef>
-      <a:fillRef idx="1">
-        <a:scrgbClr r="0" g="0" b="0"/>
-      </a:fillRef>
-      <a:effectRef idx="0">
-        <a:scrgbClr r="0" g="0" b="0"/>
-      </a:effectRef>
-      <a:fontRef idx="minor"/>
-    </dgm:style>
-  </dgm:styleLbl>
-  <dgm:styleLbl name="revTx">
-    <dgm:scene3d>
-      <a:camera prst="orthographicFront"/>
-      <a:lightRig rig="threePt" dir="t"/>
-    </dgm:scene3d>
-    <dgm:sp3d/>
-    <dgm:txPr/>
-    <dgm:style>
-      <a:lnRef idx="0">
-        <a:scrgbClr r="0" g="0" b="0"/>
-      </a:lnRef>
-      <a:fillRef idx="0">
-        <a:scrgbClr r="0" g="0" b="0"/>
-      </a:fillRef>
-      <a:effectRef idx="0">
-        <a:scrgbClr r="0" g="0" b="0"/>
-      </a:effectRef>
-      <a:fontRef idx="minor"/>
-    </dgm:style>
-  </dgm:styleLbl>
-</dgm:styleDef>
-</file>
-
-<file path=ppt/diagrams/quickStyle2.xml><?xml version="1.0" encoding="utf-8"?>
 <dgm:styleDef xmlns:dgm="http://schemas.openxmlformats.org/drawingml/2006/diagram" xmlns:a="http://schemas.openxmlformats.org/drawingml/2006/main" uniqueId="urn:microsoft.com/office/officeart/2005/8/quickstyle/simple1">
   <dgm:title val=""/>
   <dgm:desc val=""/>
@@ -6045,6 +3632,308 @@
 </p:notes>
 </file>
 
+<file path=ppt/notesSlides/notesSlide2.xml><?xml version="1.0" encoding="utf-8"?>
+<p:notes xmlns:a="http://schemas.openxmlformats.org/drawingml/2006/main" xmlns:r="http://schemas.openxmlformats.org/officeDocument/2006/relationships" xmlns:p="http://schemas.openxmlformats.org/presentationml/2006/main">
+  <p:cSld>
+    <p:spTree>
+      <p:nvGrpSpPr>
+        <p:cNvPr id="1" name=""/>
+        <p:cNvGrpSpPr/>
+        <p:nvPr/>
+      </p:nvGrpSpPr>
+      <p:grpSpPr>
+        <a:xfrm>
+          <a:off x="0" y="0"/>
+          <a:ext cx="0" cy="0"/>
+          <a:chOff x="0" y="0"/>
+          <a:chExt cx="0" cy="0"/>
+        </a:xfrm>
+      </p:grpSpPr>
+      <p:sp>
+        <p:nvSpPr>
+          <p:cNvPr id="2" name="Slide Image Placeholder 1"/>
+          <p:cNvSpPr>
+            <a:spLocks noGrp="1" noRot="1" noChangeAspect="1"/>
+          </p:cNvSpPr>
+          <p:nvPr>
+            <p:ph type="sldImg"/>
+          </p:nvPr>
+        </p:nvSpPr>
+        <p:spPr/>
+      </p:sp>
+      <p:sp>
+        <p:nvSpPr>
+          <p:cNvPr id="3" name="Notes Placeholder 2"/>
+          <p:cNvSpPr>
+            <a:spLocks noGrp="1"/>
+          </p:cNvSpPr>
+          <p:nvPr>
+            <p:ph type="body" idx="1"/>
+          </p:nvPr>
+        </p:nvSpPr>
+        <p:spPr/>
+        <p:txBody>
+          <a:bodyPr/>
+          <a:lstStyle/>
+          <a:p>
+            <a:r>
+              <a:rPr lang="pt-BR" dirty="0" smtClean="0"/>
+              <a:t>This week basically: Scope,</a:t>
+            </a:r>
+            <a:r>
+              <a:rPr lang="pt-BR" baseline="0" dirty="0" smtClean="0"/>
+              <a:t> Start of Product Backlog and Design.</a:t>
+            </a:r>
+            <a:endParaRPr lang="en-US" dirty="0"/>
+          </a:p>
+        </p:txBody>
+      </p:sp>
+      <p:sp>
+        <p:nvSpPr>
+          <p:cNvPr id="4" name="Slide Number Placeholder 3"/>
+          <p:cNvSpPr>
+            <a:spLocks noGrp="1"/>
+          </p:cNvSpPr>
+          <p:nvPr>
+            <p:ph type="sldNum" sz="quarter" idx="10"/>
+          </p:nvPr>
+        </p:nvSpPr>
+        <p:spPr/>
+        <p:txBody>
+          <a:bodyPr/>
+          <a:lstStyle/>
+          <a:p>
+            <a:fld id="{1BEEE744-E1D2-402E-AD35-E1FAECEAF5B1}" type="slidenum">
+              <a:rPr lang="pt-BR" smtClean="0"/>
+              <a:t>3</a:t>
+            </a:fld>
+            <a:endParaRPr lang="pt-BR"/>
+          </a:p>
+        </p:txBody>
+      </p:sp>
+    </p:spTree>
+    <p:extLst>
+      <p:ext uri="{BB962C8B-B14F-4D97-AF65-F5344CB8AC3E}">
+        <p14:creationId xmlns:p14="http://schemas.microsoft.com/office/powerpoint/2010/main" val="3103215183"/>
+      </p:ext>
+    </p:extLst>
+  </p:cSld>
+  <p:clrMapOvr>
+    <a:masterClrMapping/>
+  </p:clrMapOvr>
+</p:notes>
+</file>
+
+<file path=ppt/notesSlides/notesSlide3.xml><?xml version="1.0" encoding="utf-8"?>
+<p:notes xmlns:a="http://schemas.openxmlformats.org/drawingml/2006/main" xmlns:r="http://schemas.openxmlformats.org/officeDocument/2006/relationships" xmlns:p="http://schemas.openxmlformats.org/presentationml/2006/main">
+  <p:cSld>
+    <p:spTree>
+      <p:nvGrpSpPr>
+        <p:cNvPr id="1" name=""/>
+        <p:cNvGrpSpPr/>
+        <p:nvPr/>
+      </p:nvGrpSpPr>
+      <p:grpSpPr>
+        <a:xfrm>
+          <a:off x="0" y="0"/>
+          <a:ext cx="0" cy="0"/>
+          <a:chOff x="0" y="0"/>
+          <a:chExt cx="0" cy="0"/>
+        </a:xfrm>
+      </p:grpSpPr>
+      <p:sp>
+        <p:nvSpPr>
+          <p:cNvPr id="2" name="Slide Image Placeholder 1"/>
+          <p:cNvSpPr>
+            <a:spLocks noGrp="1" noRot="1" noChangeAspect="1"/>
+          </p:cNvSpPr>
+          <p:nvPr>
+            <p:ph type="sldImg"/>
+          </p:nvPr>
+        </p:nvSpPr>
+        <p:spPr/>
+      </p:sp>
+      <p:sp>
+        <p:nvSpPr>
+          <p:cNvPr id="3" name="Notes Placeholder 2"/>
+          <p:cNvSpPr>
+            <a:spLocks noGrp="1"/>
+          </p:cNvSpPr>
+          <p:nvPr>
+            <p:ph type="body" idx="1"/>
+          </p:nvPr>
+        </p:nvSpPr>
+        <p:spPr/>
+        <p:txBody>
+          <a:bodyPr/>
+          <a:lstStyle/>
+          <a:p>
+            <a:r>
+              <a:rPr lang="pt-BR" dirty="0" smtClean="0"/>
+              <a:t>Trello:</a:t>
+            </a:r>
+          </a:p>
+          <a:p>
+            <a:r>
+              <a:rPr lang="pt-BR" dirty="0" smtClean="0"/>
+              <a:t>- Backlog;</a:t>
+            </a:r>
+          </a:p>
+          <a:p>
+            <a:pPr marL="171450" indent="-171450">
+              <a:buFontTx/>
+              <a:buChar char="-"/>
+            </a:pPr>
+            <a:r>
+              <a:rPr lang="pt-BR" dirty="0" smtClean="0"/>
+              <a:t>Actual Sprint;</a:t>
+            </a:r>
+          </a:p>
+          <a:p>
+            <a:pPr marL="171450" indent="-171450">
+              <a:buFontTx/>
+              <a:buChar char="-"/>
+            </a:pPr>
+            <a:r>
+              <a:rPr lang="pt-BR" dirty="0" smtClean="0"/>
+              <a:t>Done;</a:t>
+            </a:r>
+            <a:endParaRPr lang="en-US" dirty="0"/>
+          </a:p>
+        </p:txBody>
+      </p:sp>
+      <p:sp>
+        <p:nvSpPr>
+          <p:cNvPr id="4" name="Slide Number Placeholder 3"/>
+          <p:cNvSpPr>
+            <a:spLocks noGrp="1"/>
+          </p:cNvSpPr>
+          <p:nvPr>
+            <p:ph type="sldNum" sz="quarter" idx="10"/>
+          </p:nvPr>
+        </p:nvSpPr>
+        <p:spPr/>
+        <p:txBody>
+          <a:bodyPr/>
+          <a:lstStyle/>
+          <a:p>
+            <a:fld id="{1BEEE744-E1D2-402E-AD35-E1FAECEAF5B1}" type="slidenum">
+              <a:rPr lang="pt-BR" smtClean="0"/>
+              <a:t>4</a:t>
+            </a:fld>
+            <a:endParaRPr lang="pt-BR"/>
+          </a:p>
+        </p:txBody>
+      </p:sp>
+    </p:spTree>
+    <p:extLst>
+      <p:ext uri="{BB962C8B-B14F-4D97-AF65-F5344CB8AC3E}">
+        <p14:creationId xmlns:p14="http://schemas.microsoft.com/office/powerpoint/2010/main" val="1197748748"/>
+      </p:ext>
+    </p:extLst>
+  </p:cSld>
+  <p:clrMapOvr>
+    <a:masterClrMapping/>
+  </p:clrMapOvr>
+</p:notes>
+</file>
+
+<file path=ppt/notesSlides/notesSlide4.xml><?xml version="1.0" encoding="utf-8"?>
+<p:notes xmlns:a="http://schemas.openxmlformats.org/drawingml/2006/main" xmlns:r="http://schemas.openxmlformats.org/officeDocument/2006/relationships" xmlns:p="http://schemas.openxmlformats.org/presentationml/2006/main">
+  <p:cSld>
+    <p:spTree>
+      <p:nvGrpSpPr>
+        <p:cNvPr id="1" name=""/>
+        <p:cNvGrpSpPr/>
+        <p:nvPr/>
+      </p:nvGrpSpPr>
+      <p:grpSpPr>
+        <a:xfrm>
+          <a:off x="0" y="0"/>
+          <a:ext cx="0" cy="0"/>
+          <a:chOff x="0" y="0"/>
+          <a:chExt cx="0" cy="0"/>
+        </a:xfrm>
+      </p:grpSpPr>
+      <p:sp>
+        <p:nvSpPr>
+          <p:cNvPr id="2" name="Slide Image Placeholder 1"/>
+          <p:cNvSpPr>
+            <a:spLocks noGrp="1" noRot="1" noChangeAspect="1"/>
+          </p:cNvSpPr>
+          <p:nvPr>
+            <p:ph type="sldImg"/>
+          </p:nvPr>
+        </p:nvSpPr>
+        <p:spPr/>
+      </p:sp>
+      <p:sp>
+        <p:nvSpPr>
+          <p:cNvPr id="3" name="Notes Placeholder 2"/>
+          <p:cNvSpPr>
+            <a:spLocks noGrp="1"/>
+          </p:cNvSpPr>
+          <p:nvPr>
+            <p:ph type="body" idx="1"/>
+          </p:nvPr>
+        </p:nvSpPr>
+        <p:spPr/>
+        <p:txBody>
+          <a:bodyPr/>
+          <a:lstStyle/>
+          <a:p>
+            <a:r>
+              <a:rPr lang="pt-BR" dirty="0" smtClean="0"/>
+              <a:t>TeamGantt:</a:t>
+            </a:r>
+          </a:p>
+          <a:p>
+            <a:r>
+              <a:rPr lang="pt-BR" dirty="0" smtClean="0"/>
+              <a:t>Percentage;</a:t>
+            </a:r>
+          </a:p>
+          <a:p>
+            <a:endParaRPr lang="en-US" dirty="0"/>
+          </a:p>
+        </p:txBody>
+      </p:sp>
+      <p:sp>
+        <p:nvSpPr>
+          <p:cNvPr id="4" name="Slide Number Placeholder 3"/>
+          <p:cNvSpPr>
+            <a:spLocks noGrp="1"/>
+          </p:cNvSpPr>
+          <p:nvPr>
+            <p:ph type="sldNum" sz="quarter" idx="10"/>
+          </p:nvPr>
+        </p:nvSpPr>
+        <p:spPr/>
+        <p:txBody>
+          <a:bodyPr/>
+          <a:lstStyle/>
+          <a:p>
+            <a:fld id="{1BEEE744-E1D2-402E-AD35-E1FAECEAF5B1}" type="slidenum">
+              <a:rPr lang="pt-BR" smtClean="0"/>
+              <a:t>5</a:t>
+            </a:fld>
+            <a:endParaRPr lang="pt-BR"/>
+          </a:p>
+        </p:txBody>
+      </p:sp>
+    </p:spTree>
+    <p:extLst>
+      <p:ext uri="{BB962C8B-B14F-4D97-AF65-F5344CB8AC3E}">
+        <p14:creationId xmlns:p14="http://schemas.microsoft.com/office/powerpoint/2010/main" val="1793668520"/>
+      </p:ext>
+    </p:extLst>
+  </p:cSld>
+  <p:clrMapOvr>
+    <a:masterClrMapping/>
+  </p:clrMapOvr>
+</p:notes>
+</file>
+
 <file path=ppt/slideLayouts/slideLayout1.xml><?xml version="1.0" encoding="utf-8"?>
 <p:sldLayout xmlns:a="http://schemas.openxmlformats.org/drawingml/2006/main" xmlns:r="http://schemas.openxmlformats.org/officeDocument/2006/relationships" xmlns:p="http://schemas.openxmlformats.org/presentationml/2006/main" type="title" preserve="1">
   <p:cSld name="Slide de título">
@@ -7116,44 +5005,6 @@
           </a:fontRef>
         </p:style>
       </p:cxnSp>
-      <p:sp>
-        <p:nvSpPr>
-          <p:cNvPr id="14" name="CaixaDeTexto 13"/>
-          <p:cNvSpPr txBox="1"/>
-          <p:nvPr userDrawn="1"/>
-        </p:nvSpPr>
-        <p:spPr>
-          <a:xfrm>
-            <a:off x="6106887" y="6488668"/>
-            <a:ext cx="2737865" cy="369332"/>
-          </a:xfrm>
-          <a:prstGeom prst="rect">
-            <a:avLst/>
-          </a:prstGeom>
-          <a:noFill/>
-        </p:spPr>
-        <p:txBody>
-          <a:bodyPr wrap="none" rtlCol="0">
-            <a:spAutoFit/>
-          </a:bodyPr>
-          <a:lstStyle/>
-          <a:p>
-            <a:r>
-              <a:rPr lang="pt-BR" sz="1800" b="1" dirty="0" smtClean="0">
-                <a:solidFill>
-                  <a:schemeClr val="tx2"/>
-                </a:solidFill>
-              </a:rPr>
-              <a:t>gustavo.fleury@gmail.com</a:t>
-            </a:r>
-            <a:endParaRPr lang="pt-BR" sz="1800" b="1" dirty="0">
-              <a:solidFill>
-                <a:schemeClr val="tx2"/>
-              </a:solidFill>
-            </a:endParaRPr>
-          </a:p>
-        </p:txBody>
-      </p:sp>
       <p:pic>
         <p:nvPicPr>
           <p:cNvPr id="4" name="Imagem 3"/>
@@ -9338,23 +7189,19 @@
         </p:nvSpPr>
         <p:spPr>
           <a:xfrm>
-            <a:off x="1143000" y="2463539"/>
+            <a:off x="1015093" y="2695187"/>
             <a:ext cx="7113814" cy="1330314"/>
           </a:xfrm>
         </p:spPr>
         <p:txBody>
           <a:bodyPr>
-            <a:normAutofit/>
+            <a:normAutofit fontScale="90000"/>
           </a:bodyPr>
           <a:lstStyle/>
           <a:p>
             <a:r>
-              <a:rPr lang="pt-BR" dirty="0" err="1" smtClean="0"/>
-              <a:t>Task</a:t>
-            </a:r>
-            <a:r>
               <a:rPr lang="pt-BR" dirty="0" smtClean="0"/>
-              <a:t> Management</a:t>
+              <a:t>Geographical Statistics of Engineering Internships</a:t>
             </a:r>
             <a:endParaRPr lang="pt-BR" dirty="0"/>
           </a:p>
@@ -9372,7 +7219,7 @@
         </p:nvSpPr>
         <p:spPr>
           <a:xfrm>
-            <a:off x="1143000" y="6197596"/>
+            <a:off x="1143000" y="6398823"/>
             <a:ext cx="6858000" cy="497114"/>
           </a:xfrm>
         </p:spPr>
@@ -9381,12 +7228,20 @@
           <a:lstStyle/>
           <a:p>
             <a:r>
-              <a:rPr lang="pt-BR" dirty="0" err="1" smtClean="0"/>
-              <a:t>October</a:t>
-            </a:r>
-            <a:r>
               <a:rPr lang="pt-BR" dirty="0" smtClean="0"/>
-              <a:t> / 2018</a:t>
+              <a:t>April</a:t>
+            </a:r>
+            <a:r>
+              <a:rPr lang="pt-BR" dirty="0" smtClean="0"/>
+              <a:t> </a:t>
+            </a:r>
+            <a:r>
+              <a:rPr lang="pt-BR" dirty="0" smtClean="0"/>
+              <a:t>/ </a:t>
+            </a:r>
+            <a:r>
+              <a:rPr lang="pt-BR" dirty="0" smtClean="0"/>
+              <a:t>2019</a:t>
             </a:r>
             <a:endParaRPr lang="pt-BR" dirty="0"/>
           </a:p>
@@ -9403,7 +7258,7 @@
         <p:spPr>
           <a:xfrm>
             <a:off x="887186" y="4475285"/>
-            <a:ext cx="7369628" cy="902381"/>
+            <a:ext cx="3380014" cy="1722311"/>
           </a:xfrm>
           <a:prstGeom prst="rect">
             <a:avLst/>
@@ -9580,7 +7435,20 @@
           <a:p>
             <a:r>
               <a:rPr lang="pt-BR" dirty="0" smtClean="0"/>
-              <a:t>GUSTAVO FLEURY SOARES</a:t>
+              <a:t>CYLIA BERKANE</a:t>
+            </a:r>
+          </a:p>
+          <a:p>
+            <a:r>
+              <a:rPr lang="pt-BR" dirty="0" smtClean="0"/>
+              <a:t>FAGNUO CAI</a:t>
+            </a:r>
+            <a:endParaRPr lang="pt-BR" dirty="0" smtClean="0"/>
+          </a:p>
+          <a:p>
+            <a:r>
+              <a:rPr lang="pt-BR" dirty="0" smtClean="0"/>
+              <a:t>GUSTAVO FLEURY</a:t>
             </a:r>
           </a:p>
         </p:txBody>
@@ -9601,7 +7469,7 @@
         </p:blipFill>
         <p:spPr>
           <a:xfrm>
-            <a:off x="3229165" y="167830"/>
+            <a:off x="3229165" y="106870"/>
             <a:ext cx="2293811" cy="1542166"/>
           </a:xfrm>
           <a:prstGeom prst="rect">
@@ -9609,6 +7477,212 @@
           </a:prstGeom>
         </p:spPr>
       </p:pic>
+      <p:sp>
+        <p:nvSpPr>
+          <p:cNvPr id="7" name="Subtítulo 2"/>
+          <p:cNvSpPr txBox="1">
+            <a:spLocks/>
+          </p:cNvSpPr>
+          <p:nvPr/>
+        </p:nvSpPr>
+        <p:spPr>
+          <a:xfrm>
+            <a:off x="4376070" y="4475285"/>
+            <a:ext cx="3380014" cy="1722311"/>
+          </a:xfrm>
+          <a:prstGeom prst="rect">
+            <a:avLst/>
+          </a:prstGeom>
+        </p:spPr>
+        <p:txBody>
+          <a:bodyPr vert="horz" lIns="91440" tIns="45720" rIns="91440" bIns="45720" rtlCol="0">
+            <a:normAutofit/>
+          </a:bodyPr>
+          <a:lstStyle>
+            <a:lvl1pPr marL="0" indent="0" algn="ctr" defTabSz="914400" rtl="0" eaLnBrk="1" latinLnBrk="0" hangingPunct="1">
+              <a:lnSpc>
+                <a:spcPct val="90000"/>
+              </a:lnSpc>
+              <a:spcBef>
+                <a:spcPts val="1000"/>
+              </a:spcBef>
+              <a:buFont typeface="Arial" panose="020B0604020202020204" pitchFamily="34" charset="0"/>
+              <a:buNone/>
+              <a:defRPr sz="2400" kern="1200">
+                <a:solidFill>
+                  <a:schemeClr val="tx1"/>
+                </a:solidFill>
+                <a:latin typeface="+mn-lt"/>
+                <a:ea typeface="+mn-ea"/>
+                <a:cs typeface="+mn-cs"/>
+              </a:defRPr>
+            </a:lvl1pPr>
+            <a:lvl2pPr marL="457200" indent="0" algn="ctr" defTabSz="914400" rtl="0" eaLnBrk="1" latinLnBrk="0" hangingPunct="1">
+              <a:lnSpc>
+                <a:spcPct val="90000"/>
+              </a:lnSpc>
+              <a:spcBef>
+                <a:spcPts val="500"/>
+              </a:spcBef>
+              <a:buFont typeface="Arial" panose="020B0604020202020204" pitchFamily="34" charset="0"/>
+              <a:buNone/>
+              <a:defRPr sz="2000" kern="1200">
+                <a:solidFill>
+                  <a:schemeClr val="tx1"/>
+                </a:solidFill>
+                <a:latin typeface="+mn-lt"/>
+                <a:ea typeface="+mn-ea"/>
+                <a:cs typeface="+mn-cs"/>
+              </a:defRPr>
+            </a:lvl2pPr>
+            <a:lvl3pPr marL="914400" indent="0" algn="ctr" defTabSz="914400" rtl="0" eaLnBrk="1" latinLnBrk="0" hangingPunct="1">
+              <a:lnSpc>
+                <a:spcPct val="90000"/>
+              </a:lnSpc>
+              <a:spcBef>
+                <a:spcPts val="500"/>
+              </a:spcBef>
+              <a:buFont typeface="Arial" panose="020B0604020202020204" pitchFamily="34" charset="0"/>
+              <a:buNone/>
+              <a:defRPr sz="1800" kern="1200">
+                <a:solidFill>
+                  <a:schemeClr val="tx1"/>
+                </a:solidFill>
+                <a:latin typeface="+mn-lt"/>
+                <a:ea typeface="+mn-ea"/>
+                <a:cs typeface="+mn-cs"/>
+              </a:defRPr>
+            </a:lvl3pPr>
+            <a:lvl4pPr marL="1371600" indent="0" algn="ctr" defTabSz="914400" rtl="0" eaLnBrk="1" latinLnBrk="0" hangingPunct="1">
+              <a:lnSpc>
+                <a:spcPct val="90000"/>
+              </a:lnSpc>
+              <a:spcBef>
+                <a:spcPts val="500"/>
+              </a:spcBef>
+              <a:buFont typeface="Arial" panose="020B0604020202020204" pitchFamily="34" charset="0"/>
+              <a:buNone/>
+              <a:defRPr sz="1600" kern="1200">
+                <a:solidFill>
+                  <a:schemeClr val="tx1"/>
+                </a:solidFill>
+                <a:latin typeface="+mn-lt"/>
+                <a:ea typeface="+mn-ea"/>
+                <a:cs typeface="+mn-cs"/>
+              </a:defRPr>
+            </a:lvl4pPr>
+            <a:lvl5pPr marL="1828800" indent="0" algn="ctr" defTabSz="914400" rtl="0" eaLnBrk="1" latinLnBrk="0" hangingPunct="1">
+              <a:lnSpc>
+                <a:spcPct val="90000"/>
+              </a:lnSpc>
+              <a:spcBef>
+                <a:spcPts val="500"/>
+              </a:spcBef>
+              <a:buFont typeface="Arial" panose="020B0604020202020204" pitchFamily="34" charset="0"/>
+              <a:buNone/>
+              <a:defRPr sz="1600" kern="1200">
+                <a:solidFill>
+                  <a:schemeClr val="tx1"/>
+                </a:solidFill>
+                <a:latin typeface="+mn-lt"/>
+                <a:ea typeface="+mn-ea"/>
+                <a:cs typeface="+mn-cs"/>
+              </a:defRPr>
+            </a:lvl5pPr>
+            <a:lvl6pPr marL="2286000" indent="0" algn="ctr" defTabSz="914400" rtl="0" eaLnBrk="1" latinLnBrk="0" hangingPunct="1">
+              <a:lnSpc>
+                <a:spcPct val="90000"/>
+              </a:lnSpc>
+              <a:spcBef>
+                <a:spcPts val="500"/>
+              </a:spcBef>
+              <a:buFont typeface="Arial" panose="020B0604020202020204" pitchFamily="34" charset="0"/>
+              <a:buNone/>
+              <a:defRPr sz="1600" kern="1200">
+                <a:solidFill>
+                  <a:schemeClr val="tx1"/>
+                </a:solidFill>
+                <a:latin typeface="+mn-lt"/>
+                <a:ea typeface="+mn-ea"/>
+                <a:cs typeface="+mn-cs"/>
+              </a:defRPr>
+            </a:lvl6pPr>
+            <a:lvl7pPr marL="2743200" indent="0" algn="ctr" defTabSz="914400" rtl="0" eaLnBrk="1" latinLnBrk="0" hangingPunct="1">
+              <a:lnSpc>
+                <a:spcPct val="90000"/>
+              </a:lnSpc>
+              <a:spcBef>
+                <a:spcPts val="500"/>
+              </a:spcBef>
+              <a:buFont typeface="Arial" panose="020B0604020202020204" pitchFamily="34" charset="0"/>
+              <a:buNone/>
+              <a:defRPr sz="1600" kern="1200">
+                <a:solidFill>
+                  <a:schemeClr val="tx1"/>
+                </a:solidFill>
+                <a:latin typeface="+mn-lt"/>
+                <a:ea typeface="+mn-ea"/>
+                <a:cs typeface="+mn-cs"/>
+              </a:defRPr>
+            </a:lvl7pPr>
+            <a:lvl8pPr marL="3200400" indent="0" algn="ctr" defTabSz="914400" rtl="0" eaLnBrk="1" latinLnBrk="0" hangingPunct="1">
+              <a:lnSpc>
+                <a:spcPct val="90000"/>
+              </a:lnSpc>
+              <a:spcBef>
+                <a:spcPts val="500"/>
+              </a:spcBef>
+              <a:buFont typeface="Arial" panose="020B0604020202020204" pitchFamily="34" charset="0"/>
+              <a:buNone/>
+              <a:defRPr sz="1600" kern="1200">
+                <a:solidFill>
+                  <a:schemeClr val="tx1"/>
+                </a:solidFill>
+                <a:latin typeface="+mn-lt"/>
+                <a:ea typeface="+mn-ea"/>
+                <a:cs typeface="+mn-cs"/>
+              </a:defRPr>
+            </a:lvl8pPr>
+            <a:lvl9pPr marL="3657600" indent="0" algn="ctr" defTabSz="914400" rtl="0" eaLnBrk="1" latinLnBrk="0" hangingPunct="1">
+              <a:lnSpc>
+                <a:spcPct val="90000"/>
+              </a:lnSpc>
+              <a:spcBef>
+                <a:spcPts val="500"/>
+              </a:spcBef>
+              <a:buFont typeface="Arial" panose="020B0604020202020204" pitchFamily="34" charset="0"/>
+              <a:buNone/>
+              <a:defRPr sz="1600" kern="1200">
+                <a:solidFill>
+                  <a:schemeClr val="tx1"/>
+                </a:solidFill>
+                <a:latin typeface="+mn-lt"/>
+                <a:ea typeface="+mn-ea"/>
+                <a:cs typeface="+mn-cs"/>
+              </a:defRPr>
+            </a:lvl9pPr>
+          </a:lstStyle>
+          <a:p>
+            <a:r>
+              <a:rPr lang="pt-BR" dirty="0"/>
+              <a:t>INDURAJ PR</a:t>
+            </a:r>
+          </a:p>
+          <a:p>
+            <a:r>
+              <a:rPr lang="pt-BR" dirty="0"/>
+              <a:t>QUOC VIET PHAM</a:t>
+            </a:r>
+          </a:p>
+          <a:p>
+            <a:r>
+              <a:rPr lang="pt-BR" dirty="0"/>
+              <a:t>YEN CHU CHEN</a:t>
+            </a:r>
+            <a:endParaRPr lang="pt-BR" dirty="0"/>
+          </a:p>
+        </p:txBody>
+      </p:sp>
     </p:spTree>
     <p:extLst>
       <p:ext uri="{BB962C8B-B14F-4D97-AF65-F5344CB8AC3E}">
@@ -9679,7 +7753,7 @@
           <p:nvPr>
             <p:extLst>
               <p:ext uri="{D42A27DB-BD31-4B8C-83A1-F6EECF244321}">
-                <p14:modId xmlns:p14="http://schemas.microsoft.com/office/powerpoint/2010/main" val="3794821676"/>
+                <p14:modId xmlns:p14="http://schemas.microsoft.com/office/powerpoint/2010/main" val="3912180238"/>
               </p:ext>
             </p:extLst>
           </p:nvPr>
@@ -9746,38 +7820,139 @@
           <a:bodyPr/>
           <a:lstStyle/>
           <a:p>
-            <a:r>
-              <a:rPr lang="en-US" dirty="0" smtClean="0"/>
-              <a:t>PROBLEM – A lot of TASKS</a:t>
+            <a:pPr lvl="0"/>
+            <a:r>
+              <a:rPr lang="pt-BR" dirty="0"/>
+              <a:t>Management Solution</a:t>
             </a:r>
             <a:endParaRPr lang="en-US" dirty="0"/>
           </a:p>
         </p:txBody>
       </p:sp>
-      <p:pic>
-        <p:nvPicPr>
-          <p:cNvPr id="5" name="Imagem 4"/>
-          <p:cNvPicPr>
-            <a:picLocks noChangeAspect="1"/>
-          </p:cNvPicPr>
+      <p:sp>
+        <p:nvSpPr>
+          <p:cNvPr id="3" name="AutoShape 2" descr="RÃ©sultat de recherche d'images pour &quot;scrum agile methodology&quot;"/>
+          <p:cNvSpPr>
+            <a:spLocks noChangeAspect="1" noChangeArrowheads="1"/>
+          </p:cNvSpPr>
           <p:nvPr/>
-        </p:nvPicPr>
-        <p:blipFill>
-          <a:blip r:embed="rId2"/>
-          <a:stretch>
-            <a:fillRect/>
-          </a:stretch>
-        </p:blipFill>
-        <p:spPr>
+        </p:nvSpPr>
+        <p:spPr bwMode="auto">
           <a:xfrm>
-            <a:off x="762345" y="1717166"/>
-            <a:ext cx="7285706" cy="3805809"/>
+            <a:off x="155575" y="-144463"/>
+            <a:ext cx="304800" cy="304801"/>
           </a:xfrm>
           <a:prstGeom prst="rect">
             <a:avLst/>
           </a:prstGeom>
+          <a:noFill/>
+          <a:extLst>
+            <a:ext uri="{909E8E84-426E-40DD-AFC4-6F175D3DCCD1}">
+              <a14:hiddenFill xmlns:a14="http://schemas.microsoft.com/office/drawing/2010/main">
+                <a:solidFill>
+                  <a:srgbClr val="FFFFFF"/>
+                </a:solidFill>
+              </a14:hiddenFill>
+            </a:ext>
+          </a:extLst>
         </p:spPr>
-      </p:pic>
+        <p:txBody>
+          <a:bodyPr vert="horz" wrap="square" lIns="91440" tIns="45720" rIns="91440" bIns="45720" numCol="1" anchor="t" anchorCtr="0" compatLnSpc="1">
+            <a:prstTxWarp prst="textNoShape">
+              <a:avLst/>
+            </a:prstTxWarp>
+          </a:bodyPr>
+          <a:lstStyle/>
+          <a:p>
+            <a:endParaRPr lang="en-US"/>
+          </a:p>
+        </p:txBody>
+      </p:sp>
+      <p:grpSp>
+        <p:nvGrpSpPr>
+          <p:cNvPr id="7" name="Group 6"/>
+          <p:cNvGrpSpPr/>
+          <p:nvPr/>
+        </p:nvGrpSpPr>
+        <p:grpSpPr>
+          <a:xfrm>
+            <a:off x="1" y="1692529"/>
+            <a:ext cx="8976769" cy="4651121"/>
+            <a:chOff x="1" y="1816354"/>
+            <a:chExt cx="8976769" cy="4651121"/>
+          </a:xfrm>
+        </p:grpSpPr>
+        <p:pic>
+          <p:nvPicPr>
+            <p:cNvPr id="4" name="Picture 3"/>
+            <p:cNvPicPr>
+              <a:picLocks noChangeAspect="1"/>
+            </p:cNvPicPr>
+            <p:nvPr/>
+          </p:nvPicPr>
+          <p:blipFill>
+            <a:blip r:embed="rId3"/>
+            <a:stretch>
+              <a:fillRect/>
+            </a:stretch>
+          </p:blipFill>
+          <p:spPr>
+            <a:xfrm>
+              <a:off x="155575" y="1816354"/>
+              <a:ext cx="8821195" cy="4584446"/>
+            </a:xfrm>
+            <a:prstGeom prst="rect">
+              <a:avLst/>
+            </a:prstGeom>
+          </p:spPr>
+        </p:pic>
+        <p:sp>
+          <p:nvSpPr>
+            <p:cNvPr id="6" name="Oval 5"/>
+            <p:cNvSpPr/>
+            <p:nvPr/>
+          </p:nvSpPr>
+          <p:spPr>
+            <a:xfrm>
+              <a:off x="1" y="5124450"/>
+              <a:ext cx="4838700" cy="1343025"/>
+            </a:xfrm>
+            <a:prstGeom prst="ellipse">
+              <a:avLst/>
+            </a:prstGeom>
+            <a:noFill/>
+            <a:ln w="34925">
+              <a:solidFill>
+                <a:srgbClr val="FF0000"/>
+              </a:solidFill>
+            </a:ln>
+          </p:spPr>
+          <p:style>
+            <a:lnRef idx="2">
+              <a:schemeClr val="accent1">
+                <a:shade val="50000"/>
+              </a:schemeClr>
+            </a:lnRef>
+            <a:fillRef idx="1">
+              <a:schemeClr val="accent1"/>
+            </a:fillRef>
+            <a:effectRef idx="0">
+              <a:schemeClr val="accent1"/>
+            </a:effectRef>
+            <a:fontRef idx="minor">
+              <a:schemeClr val="lt1"/>
+            </a:fontRef>
+          </p:style>
+          <p:txBody>
+            <a:bodyPr rtlCol="0" anchor="ctr"/>
+            <a:lstStyle/>
+            <a:p>
+              <a:pPr algn="ctr"/>
+              <a:endParaRPr lang="en-US"/>
+            </a:p>
+          </p:txBody>
+        </p:sp>
+      </p:grpSp>
     </p:spTree>
     <p:extLst>
       <p:ext uri="{BB962C8B-B14F-4D97-AF65-F5344CB8AC3E}">
@@ -9788,6 +7963,13 @@
   <p:clrMapOvr>
     <a:masterClrMapping/>
   </p:clrMapOvr>
+  <p:timing>
+    <p:tnLst>
+      <p:par>
+        <p:cTn id="1" dur="indefinite" restart="never" nodeType="tmRoot"/>
+      </p:par>
+    </p:tnLst>
+  </p:timing>
 </p:sld>
 </file>
 
@@ -9824,8 +8006,12 @@
           <a:lstStyle/>
           <a:p>
             <a:r>
-              <a:rPr lang="en-US" dirty="0" smtClean="0"/>
-              <a:t>PROBLEM – A lot of TASKS</a:t>
+              <a:rPr lang="pt-BR" dirty="0"/>
+              <a:t>Management </a:t>
+            </a:r>
+            <a:r>
+              <a:rPr lang="pt-BR" dirty="0" smtClean="0"/>
+              <a:t>Solution - Trello</a:t>
             </a:r>
             <a:endParaRPr lang="en-US" dirty="0"/>
           </a:p>
@@ -9833,22 +8019,22 @@
       </p:sp>
       <p:pic>
         <p:nvPicPr>
-          <p:cNvPr id="3" name="Imagem 2"/>
+          <p:cNvPr id="5" name="Picture 4"/>
           <p:cNvPicPr>
             <a:picLocks noChangeAspect="1"/>
           </p:cNvPicPr>
           <p:nvPr/>
         </p:nvPicPr>
         <p:blipFill>
-          <a:blip r:embed="rId2"/>
+          <a:blip r:embed="rId3"/>
           <a:stretch>
             <a:fillRect/>
           </a:stretch>
         </p:blipFill>
         <p:spPr>
           <a:xfrm>
-            <a:off x="1386078" y="1598104"/>
-            <a:ext cx="6246114" cy="4348773"/>
+            <a:off x="161351" y="1291478"/>
+            <a:ext cx="8853970" cy="4896803"/>
           </a:xfrm>
           <a:prstGeom prst="rect">
             <a:avLst/>
@@ -9865,6 +8051,13 @@
   <p:clrMapOvr>
     <a:masterClrMapping/>
   </p:clrMapOvr>
+  <p:timing>
+    <p:tnLst>
+      <p:par>
+        <p:cTn id="1" dur="indefinite" restart="never" nodeType="tmRoot"/>
+      </p:par>
+    </p:tnLst>
+  </p:timing>
 </p:sld>
 </file>
 
@@ -9897,12 +8090,18 @@
         </p:nvSpPr>
         <p:spPr/>
         <p:txBody>
-          <a:bodyPr/>
+          <a:bodyPr>
+            <a:normAutofit fontScale="90000"/>
+          </a:bodyPr>
           <a:lstStyle/>
           <a:p>
             <a:r>
-              <a:rPr lang="en-US" dirty="0" smtClean="0"/>
-              <a:t>Existing Solutions - Sticks</a:t>
+              <a:rPr lang="pt-BR" dirty="0"/>
+              <a:t>Management </a:t>
+            </a:r>
+            <a:r>
+              <a:rPr lang="pt-BR" dirty="0" smtClean="0"/>
+              <a:t>Solution - TeamGantt</a:t>
             </a:r>
             <a:endParaRPr lang="en-US" dirty="0"/>
           </a:p>
@@ -9910,22 +8109,22 @@
       </p:sp>
       <p:pic>
         <p:nvPicPr>
-          <p:cNvPr id="4" name="Imagem 3"/>
+          <p:cNvPr id="3" name="Picture 2"/>
           <p:cNvPicPr>
             <a:picLocks noChangeAspect="1"/>
           </p:cNvPicPr>
           <p:nvPr/>
         </p:nvPicPr>
         <p:blipFill>
-          <a:blip r:embed="rId2"/>
+          <a:blip r:embed="rId3"/>
           <a:stretch>
             <a:fillRect/>
           </a:stretch>
         </p:blipFill>
         <p:spPr>
           <a:xfrm>
-            <a:off x="1515237" y="1771078"/>
-            <a:ext cx="5772150" cy="3876675"/>
+            <a:off x="0" y="1572577"/>
+            <a:ext cx="9030175" cy="4203383"/>
           </a:xfrm>
           <a:prstGeom prst="rect">
             <a:avLst/>
@@ -9935,13 +8134,20 @@
     </p:spTree>
     <p:extLst>
       <p:ext uri="{BB962C8B-B14F-4D97-AF65-F5344CB8AC3E}">
-        <p14:creationId xmlns:p14="http://schemas.microsoft.com/office/powerpoint/2010/main" val="670585774"/>
+        <p14:creationId xmlns:p14="http://schemas.microsoft.com/office/powerpoint/2010/main" val="1786929154"/>
       </p:ext>
     </p:extLst>
   </p:cSld>
   <p:clrMapOvr>
     <a:masterClrMapping/>
   </p:clrMapOvr>
+  <p:timing>
+    <p:tnLst>
+      <p:par>
+        <p:cTn id="1" dur="indefinite" restart="never" nodeType="tmRoot"/>
+      </p:par>
+    </p:tnLst>
+  </p:timing>
 </p:sld>
 </file>
 
@@ -9978,70 +8184,41 @@
           <a:lstStyle/>
           <a:p>
             <a:r>
-              <a:rPr lang="pt-BR" dirty="0" err="1" smtClean="0"/>
-              <a:t>Existing</a:t>
-            </a:r>
-            <a:r>
-              <a:rPr lang="pt-BR" dirty="0" smtClean="0"/>
-              <a:t> </a:t>
-            </a:r>
-            <a:r>
-              <a:rPr lang="pt-BR" dirty="0" err="1" smtClean="0"/>
-              <a:t>Solution</a:t>
-            </a:r>
-            <a:r>
-              <a:rPr lang="pt-BR" dirty="0" smtClean="0"/>
-              <a:t> – “</a:t>
-            </a:r>
-            <a:r>
-              <a:rPr lang="pt-BR" dirty="0" err="1" smtClean="0"/>
-              <a:t>Projects</a:t>
-            </a:r>
-            <a:r>
-              <a:rPr lang="pt-BR" dirty="0" smtClean="0"/>
-              <a:t>”</a:t>
-            </a:r>
-            <a:endParaRPr lang="pt-BR" dirty="0"/>
+              <a:rPr lang="en-US" dirty="0" smtClean="0"/>
+              <a:t>Technical Solutions - MVC</a:t>
+            </a:r>
+            <a:endParaRPr lang="en-US" dirty="0"/>
           </a:p>
         </p:txBody>
       </p:sp>
       <p:pic>
         <p:nvPicPr>
-          <p:cNvPr id="4" name="Imagem 3"/>
-          <p:cNvPicPr/>
+          <p:cNvPr id="14" name="Picture 13"/>
+          <p:cNvPicPr>
+            <a:picLocks noChangeAspect="1"/>
+          </p:cNvPicPr>
           <p:nvPr/>
         </p:nvPicPr>
         <p:blipFill>
-          <a:blip r:embed="rId2">
-            <a:extLst>
-              <a:ext uri="{28A0092B-C50C-407E-A947-70E740481C1C}">
-                <a14:useLocalDpi xmlns:a14="http://schemas.microsoft.com/office/drawing/2010/main" val="0"/>
-              </a:ext>
-            </a:extLst>
-          </a:blip>
-          <a:srcRect/>
+          <a:blip r:embed="rId2"/>
           <a:stretch>
             <a:fillRect/>
           </a:stretch>
         </p:blipFill>
-        <p:spPr bwMode="auto">
+        <p:spPr>
           <a:xfrm>
-            <a:off x="39431" y="1643062"/>
-            <a:ext cx="9109647" cy="3611690"/>
+            <a:off x="929640" y="1499870"/>
+            <a:ext cx="7467600" cy="4610100"/>
           </a:xfrm>
           <a:prstGeom prst="rect">
             <a:avLst/>
           </a:prstGeom>
-          <a:noFill/>
-          <a:ln>
-            <a:noFill/>
-          </a:ln>
         </p:spPr>
       </p:pic>
     </p:spTree>
     <p:extLst>
       <p:ext uri="{BB962C8B-B14F-4D97-AF65-F5344CB8AC3E}">
-        <p14:creationId xmlns:p14="http://schemas.microsoft.com/office/powerpoint/2010/main" val="1208733256"/>
+        <p14:creationId xmlns:p14="http://schemas.microsoft.com/office/powerpoint/2010/main" val="670585774"/>
       </p:ext>
     </p:extLst>
   </p:cSld>
@@ -10087,14 +8264,12 @@
         </p:nvSpPr>
         <p:spPr/>
         <p:txBody>
-          <a:bodyPr>
-            <a:normAutofit/>
-          </a:bodyPr>
+          <a:bodyPr/>
           <a:lstStyle/>
           <a:p>
             <a:r>
               <a:rPr lang="en-US" dirty="0" smtClean="0"/>
-              <a:t>Problem: Estimated Data/ Cost</a:t>
+              <a:t>Technical Solutions</a:t>
             </a:r>
             <a:endParaRPr lang="en-US" dirty="0"/>
           </a:p>
@@ -10102,7 +8277,7 @@
       </p:sp>
       <p:pic>
         <p:nvPicPr>
-          <p:cNvPr id="4" name="Imagem 3"/>
+          <p:cNvPr id="5" name="Picture 4"/>
           <p:cNvPicPr>
             <a:picLocks noChangeAspect="1"/>
           </p:cNvPicPr>
@@ -10116,8 +8291,257 @@
         </p:blipFill>
         <p:spPr>
           <a:xfrm>
-            <a:off x="478536" y="1604581"/>
-            <a:ext cx="8100514" cy="1882331"/>
+            <a:off x="161351" y="5425439"/>
+            <a:ext cx="931624" cy="1015365"/>
+          </a:xfrm>
+          <a:prstGeom prst="rect">
+            <a:avLst/>
+          </a:prstGeom>
+        </p:spPr>
+      </p:pic>
+      <p:grpSp>
+        <p:nvGrpSpPr>
+          <p:cNvPr id="12" name="Group 11"/>
+          <p:cNvGrpSpPr/>
+          <p:nvPr/>
+        </p:nvGrpSpPr>
+        <p:grpSpPr>
+          <a:xfrm>
+            <a:off x="1917760" y="4235766"/>
+            <a:ext cx="1076627" cy="1515428"/>
+            <a:chOff x="1917760" y="4235766"/>
+            <a:chExt cx="1076627" cy="1515428"/>
+          </a:xfrm>
+        </p:grpSpPr>
+        <p:pic>
+          <p:nvPicPr>
+            <p:cNvPr id="6" name="Picture 5"/>
+            <p:cNvPicPr>
+              <a:picLocks noChangeAspect="1"/>
+            </p:cNvPicPr>
+            <p:nvPr/>
+          </p:nvPicPr>
+          <p:blipFill>
+            <a:blip r:embed="rId3"/>
+            <a:stretch>
+              <a:fillRect/>
+            </a:stretch>
+          </p:blipFill>
+          <p:spPr>
+            <a:xfrm>
+              <a:off x="1917760" y="4235766"/>
+              <a:ext cx="1076627" cy="1189673"/>
+            </a:xfrm>
+            <a:prstGeom prst="rect">
+              <a:avLst/>
+            </a:prstGeom>
+          </p:spPr>
+        </p:pic>
+        <p:sp>
+          <p:nvSpPr>
+            <p:cNvPr id="7" name="TextBox 6"/>
+            <p:cNvSpPr txBox="1"/>
+            <p:nvPr/>
+          </p:nvSpPr>
+          <p:spPr>
+            <a:xfrm>
+              <a:off x="2090147" y="5381862"/>
+              <a:ext cx="904240" cy="369332"/>
+            </a:xfrm>
+            <a:prstGeom prst="rect">
+              <a:avLst/>
+            </a:prstGeom>
+            <a:noFill/>
+          </p:spPr>
+          <p:txBody>
+            <a:bodyPr wrap="square" rtlCol="0">
+              <a:spAutoFit/>
+            </a:bodyPr>
+            <a:lstStyle/>
+            <a:p>
+              <a:r>
+                <a:rPr lang="pt-BR" dirty="0" smtClean="0"/>
+                <a:t>Oracle</a:t>
+              </a:r>
+              <a:endParaRPr lang="en-US" dirty="0"/>
+            </a:p>
+          </p:txBody>
+        </p:sp>
+      </p:grpSp>
+      <p:cxnSp>
+        <p:nvCxnSpPr>
+          <p:cNvPr id="9" name="Straight Arrow Connector 8"/>
+          <p:cNvCxnSpPr>
+            <a:stCxn id="5" idx="3"/>
+            <a:endCxn id="6" idx="1"/>
+          </p:cNvCxnSpPr>
+          <p:nvPr/>
+        </p:nvCxnSpPr>
+        <p:spPr>
+          <a:xfrm flipV="1">
+            <a:off x="1092975" y="4830603"/>
+            <a:ext cx="824785" cy="1102519"/>
+          </a:xfrm>
+          <a:prstGeom prst="straightConnector1">
+            <a:avLst/>
+          </a:prstGeom>
+          <a:ln w="44450">
+            <a:tailEnd type="triangle" w="lg" len="lg"/>
+          </a:ln>
+        </p:spPr>
+        <p:style>
+          <a:lnRef idx="1">
+            <a:schemeClr val="accent1"/>
+          </a:lnRef>
+          <a:fillRef idx="0">
+            <a:schemeClr val="accent1"/>
+          </a:fillRef>
+          <a:effectRef idx="0">
+            <a:schemeClr val="accent1"/>
+          </a:effectRef>
+          <a:fontRef idx="minor">
+            <a:schemeClr val="tx1"/>
+          </a:fontRef>
+        </p:style>
+      </p:cxnSp>
+      <p:sp>
+        <p:nvSpPr>
+          <p:cNvPr id="13" name="TextBox 12"/>
+          <p:cNvSpPr txBox="1"/>
+          <p:nvPr/>
+        </p:nvSpPr>
+        <p:spPr>
+          <a:xfrm>
+            <a:off x="1368787" y="5494614"/>
+            <a:ext cx="548973" cy="369332"/>
+          </a:xfrm>
+          <a:prstGeom prst="rect">
+            <a:avLst/>
+          </a:prstGeom>
+          <a:noFill/>
+        </p:spPr>
+        <p:txBody>
+          <a:bodyPr wrap="square" rtlCol="0">
+            <a:spAutoFit/>
+          </a:bodyPr>
+          <a:lstStyle/>
+          <a:p>
+            <a:r>
+              <a:rPr lang="pt-BR" dirty="0" smtClean="0"/>
+              <a:t>ETL</a:t>
+            </a:r>
+            <a:endParaRPr lang="en-US" dirty="0"/>
+          </a:p>
+        </p:txBody>
+      </p:sp>
+      <p:pic>
+        <p:nvPicPr>
+          <p:cNvPr id="3" name="Picture 2"/>
+          <p:cNvPicPr>
+            <a:picLocks noChangeAspect="1"/>
+          </p:cNvPicPr>
+          <p:nvPr/>
+        </p:nvPicPr>
+        <p:blipFill>
+          <a:blip r:embed="rId4"/>
+          <a:stretch>
+            <a:fillRect/>
+          </a:stretch>
+        </p:blipFill>
+        <p:spPr>
+          <a:xfrm>
+            <a:off x="3819172" y="3159441"/>
+            <a:ext cx="1523365" cy="1523365"/>
+          </a:xfrm>
+          <a:prstGeom prst="rect">
+            <a:avLst/>
+          </a:prstGeom>
+        </p:spPr>
+      </p:pic>
+      <p:cxnSp>
+        <p:nvCxnSpPr>
+          <p:cNvPr id="10" name="Straight Arrow Connector 9"/>
+          <p:cNvCxnSpPr>
+            <a:stCxn id="6" idx="3"/>
+            <a:endCxn id="3" idx="1"/>
+          </p:cNvCxnSpPr>
+          <p:nvPr/>
+        </p:nvCxnSpPr>
+        <p:spPr>
+          <a:xfrm flipV="1">
+            <a:off x="2994387" y="3921124"/>
+            <a:ext cx="824785" cy="909479"/>
+          </a:xfrm>
+          <a:prstGeom prst="straightConnector1">
+            <a:avLst/>
+          </a:prstGeom>
+          <a:ln w="44450">
+            <a:tailEnd type="triangle" w="lg" len="lg"/>
+          </a:ln>
+        </p:spPr>
+        <p:style>
+          <a:lnRef idx="1">
+            <a:schemeClr val="accent1"/>
+          </a:lnRef>
+          <a:fillRef idx="0">
+            <a:schemeClr val="accent1"/>
+          </a:fillRef>
+          <a:effectRef idx="0">
+            <a:schemeClr val="accent1"/>
+          </a:effectRef>
+          <a:fontRef idx="minor">
+            <a:schemeClr val="tx1"/>
+          </a:fontRef>
+        </p:style>
+      </p:cxnSp>
+      <p:sp>
+        <p:nvSpPr>
+          <p:cNvPr id="14" name="TextBox 13"/>
+          <p:cNvSpPr txBox="1"/>
+          <p:nvPr/>
+        </p:nvSpPr>
+        <p:spPr>
+          <a:xfrm>
+            <a:off x="4095440" y="4682806"/>
+            <a:ext cx="1055679" cy="369332"/>
+          </a:xfrm>
+          <a:prstGeom prst="rect">
+            <a:avLst/>
+          </a:prstGeom>
+          <a:noFill/>
+        </p:spPr>
+        <p:txBody>
+          <a:bodyPr wrap="square" rtlCol="0">
+            <a:spAutoFit/>
+          </a:bodyPr>
+          <a:lstStyle/>
+          <a:p>
+            <a:r>
+              <a:rPr lang="pt-BR" dirty="0" smtClean="0"/>
+              <a:t>Python</a:t>
+            </a:r>
+            <a:endParaRPr lang="en-US" dirty="0"/>
+          </a:p>
+        </p:txBody>
+      </p:sp>
+      <p:pic>
+        <p:nvPicPr>
+          <p:cNvPr id="15" name="Picture 14"/>
+          <p:cNvPicPr>
+            <a:picLocks noChangeAspect="1"/>
+          </p:cNvPicPr>
+          <p:nvPr/>
+        </p:nvPicPr>
+        <p:blipFill>
+          <a:blip r:embed="rId4"/>
+          <a:stretch>
+            <a:fillRect/>
+          </a:stretch>
+        </p:blipFill>
+        <p:spPr>
+          <a:xfrm>
+            <a:off x="1420225" y="5791234"/>
+            <a:ext cx="422126" cy="422126"/>
           </a:xfrm>
           <a:prstGeom prst="rect">
             <a:avLst/>
@@ -10126,22 +8550,223 @@
       </p:pic>
       <p:pic>
         <p:nvPicPr>
-          <p:cNvPr id="5" name="Imagem 4"/>
+          <p:cNvPr id="17" name="Picture 16"/>
           <p:cNvPicPr>
             <a:picLocks noChangeAspect="1"/>
           </p:cNvPicPr>
           <p:nvPr/>
         </p:nvPicPr>
         <p:blipFill>
-          <a:blip r:embed="rId3"/>
+          <a:blip r:embed="rId5"/>
           <a:stretch>
             <a:fillRect/>
           </a:stretch>
         </p:blipFill>
         <p:spPr>
           <a:xfrm>
-            <a:off x="3257205" y="3800015"/>
-            <a:ext cx="2543175" cy="2219325"/>
+            <a:off x="7472362" y="3037494"/>
+            <a:ext cx="1580198" cy="731229"/>
+          </a:xfrm>
+          <a:prstGeom prst="rect">
+            <a:avLst/>
+          </a:prstGeom>
+        </p:spPr>
+      </p:pic>
+      <p:grpSp>
+        <p:nvGrpSpPr>
+          <p:cNvPr id="20" name="Group 19"/>
+          <p:cNvGrpSpPr/>
+          <p:nvPr/>
+        </p:nvGrpSpPr>
+        <p:grpSpPr>
+          <a:xfrm>
+            <a:off x="6352701" y="1333792"/>
+            <a:ext cx="2569110" cy="3271306"/>
+            <a:chOff x="6352701" y="1333792"/>
+            <a:chExt cx="2569110" cy="3271306"/>
+          </a:xfrm>
+          <a:effectLst>
+            <a:outerShdw blurRad="50800" dist="38100" dir="2700000" algn="tl" rotWithShape="0">
+              <a:prstClr val="black">
+                <a:alpha val="40000"/>
+              </a:prstClr>
+            </a:outerShdw>
+          </a:effectLst>
+        </p:grpSpPr>
+        <p:pic>
+          <p:nvPicPr>
+            <p:cNvPr id="11" name="Picture 10"/>
+            <p:cNvPicPr>
+              <a:picLocks noChangeAspect="1"/>
+            </p:cNvPicPr>
+            <p:nvPr/>
+          </p:nvPicPr>
+          <p:blipFill>
+            <a:blip r:embed="rId6"/>
+            <a:stretch>
+              <a:fillRect/>
+            </a:stretch>
+          </p:blipFill>
+          <p:spPr>
+            <a:xfrm>
+              <a:off x="6453822" y="1333792"/>
+              <a:ext cx="2404075" cy="1429829"/>
+            </a:xfrm>
+            <a:prstGeom prst="rect">
+              <a:avLst/>
+            </a:prstGeom>
+            <a:ln>
+              <a:noFill/>
+            </a:ln>
+          </p:spPr>
+        </p:pic>
+        <p:pic>
+          <p:nvPicPr>
+            <p:cNvPr id="16" name="Picture 15"/>
+            <p:cNvPicPr>
+              <a:picLocks noChangeAspect="1"/>
+            </p:cNvPicPr>
+            <p:nvPr/>
+          </p:nvPicPr>
+          <p:blipFill>
+            <a:blip r:embed="rId7"/>
+            <a:stretch>
+              <a:fillRect/>
+            </a:stretch>
+          </p:blipFill>
+          <p:spPr>
+            <a:xfrm>
+              <a:off x="6352701" y="3007041"/>
+              <a:ext cx="1123950" cy="1228725"/>
+            </a:xfrm>
+            <a:prstGeom prst="rect">
+              <a:avLst/>
+            </a:prstGeom>
+            <a:ln>
+              <a:noFill/>
+            </a:ln>
+          </p:spPr>
+        </p:pic>
+        <p:sp>
+          <p:nvSpPr>
+            <p:cNvPr id="18" name="TextBox 17"/>
+            <p:cNvSpPr txBox="1"/>
+            <p:nvPr/>
+          </p:nvSpPr>
+          <p:spPr>
+            <a:xfrm>
+              <a:off x="7071068" y="4235766"/>
+              <a:ext cx="1747520" cy="369332"/>
+            </a:xfrm>
+            <a:prstGeom prst="rect">
+              <a:avLst/>
+            </a:prstGeom>
+            <a:noFill/>
+            <a:ln>
+              <a:noFill/>
+            </a:ln>
+          </p:spPr>
+          <p:txBody>
+            <a:bodyPr wrap="square" rtlCol="0">
+              <a:spAutoFit/>
+            </a:bodyPr>
+            <a:lstStyle/>
+            <a:p>
+              <a:r>
+                <a:rPr lang="pt-BR" dirty="0" smtClean="0"/>
+                <a:t>Framework</a:t>
+              </a:r>
+              <a:endParaRPr lang="en-US" dirty="0"/>
+            </a:p>
+          </p:txBody>
+        </p:sp>
+        <p:sp>
+          <p:nvSpPr>
+            <p:cNvPr id="19" name="TextBox 18"/>
+            <p:cNvSpPr txBox="1"/>
+            <p:nvPr/>
+          </p:nvSpPr>
+          <p:spPr>
+            <a:xfrm>
+              <a:off x="7174291" y="2700665"/>
+              <a:ext cx="1747520" cy="369332"/>
+            </a:xfrm>
+            <a:prstGeom prst="rect">
+              <a:avLst/>
+            </a:prstGeom>
+            <a:noFill/>
+            <a:ln>
+              <a:noFill/>
+            </a:ln>
+          </p:spPr>
+          <p:txBody>
+            <a:bodyPr wrap="square" rtlCol="0">
+              <a:spAutoFit/>
+            </a:bodyPr>
+            <a:lstStyle/>
+            <a:p>
+              <a:r>
+                <a:rPr lang="pt-BR" dirty="0" smtClean="0"/>
+                <a:t>Dash</a:t>
+              </a:r>
+              <a:endParaRPr lang="en-US" dirty="0"/>
+            </a:p>
+          </p:txBody>
+        </p:sp>
+      </p:grpSp>
+      <p:cxnSp>
+        <p:nvCxnSpPr>
+          <p:cNvPr id="21" name="Straight Arrow Connector 20"/>
+          <p:cNvCxnSpPr>
+            <a:stCxn id="3" idx="3"/>
+          </p:cNvCxnSpPr>
+          <p:nvPr/>
+        </p:nvCxnSpPr>
+        <p:spPr>
+          <a:xfrm flipV="1">
+            <a:off x="5342537" y="2885331"/>
+            <a:ext cx="1010164" cy="1035793"/>
+          </a:xfrm>
+          <a:prstGeom prst="straightConnector1">
+            <a:avLst/>
+          </a:prstGeom>
+          <a:ln w="44450">
+            <a:tailEnd type="triangle" w="lg" len="lg"/>
+          </a:ln>
+        </p:spPr>
+        <p:style>
+          <a:lnRef idx="1">
+            <a:schemeClr val="accent1"/>
+          </a:lnRef>
+          <a:fillRef idx="0">
+            <a:schemeClr val="accent1"/>
+          </a:fillRef>
+          <a:effectRef idx="0">
+            <a:schemeClr val="accent1"/>
+          </a:effectRef>
+          <a:fontRef idx="minor">
+            <a:schemeClr val="tx1"/>
+          </a:fontRef>
+        </p:style>
+      </p:cxnSp>
+      <p:pic>
+        <p:nvPicPr>
+          <p:cNvPr id="27" name="Picture 26"/>
+          <p:cNvPicPr>
+            <a:picLocks noChangeAspect="1"/>
+          </p:cNvPicPr>
+          <p:nvPr/>
+        </p:nvPicPr>
+        <p:blipFill>
+          <a:blip r:embed="rId8"/>
+          <a:stretch>
+            <a:fillRect/>
+          </a:stretch>
+        </p:blipFill>
+        <p:spPr>
+          <a:xfrm>
+            <a:off x="3083205" y="4319059"/>
+            <a:ext cx="735967" cy="202746"/>
           </a:xfrm>
           <a:prstGeom prst="rect">
             <a:avLst/>
@@ -10151,13 +8776,20 @@
     </p:spTree>
     <p:extLst>
       <p:ext uri="{BB962C8B-B14F-4D97-AF65-F5344CB8AC3E}">
-        <p14:creationId xmlns:p14="http://schemas.microsoft.com/office/powerpoint/2010/main" val="3236253169"/>
+        <p14:creationId xmlns:p14="http://schemas.microsoft.com/office/powerpoint/2010/main" val="703292248"/>
       </p:ext>
     </p:extLst>
   </p:cSld>
   <p:clrMapOvr>
     <a:masterClrMapping/>
   </p:clrMapOvr>
+  <p:timing>
+    <p:tnLst>
+      <p:par>
+        <p:cTn id="1" dur="indefinite" restart="never" nodeType="tmRoot"/>
+      </p:par>
+    </p:tnLst>
+  </p:timing>
 </p:sld>
 </file>
 
@@ -10180,7 +8812,7 @@
       </p:grpSpPr>
       <p:sp>
         <p:nvSpPr>
-          <p:cNvPr id="2" name="Título 1"/>
+          <p:cNvPr id="2" name="Title 1"/>
           <p:cNvSpPr>
             <a:spLocks noGrp="1"/>
           </p:cNvSpPr>
@@ -10194,508 +8826,91 @@
           <a:lstStyle/>
           <a:p>
             <a:r>
-              <a:rPr lang="en-US" dirty="0" smtClean="0"/>
-              <a:t>The Task Management</a:t>
+              <a:rPr lang="pt-BR" dirty="0" smtClean="0"/>
+              <a:t>Next Steps</a:t>
             </a:r>
             <a:endParaRPr lang="en-US" dirty="0"/>
           </a:p>
         </p:txBody>
       </p:sp>
-      <p:pic>
-        <p:nvPicPr>
-          <p:cNvPr id="5" name="Imagem 4"/>
-          <p:cNvPicPr>
-            <a:picLocks noChangeAspect="1"/>
-          </p:cNvPicPr>
-          <p:nvPr/>
-        </p:nvPicPr>
-        <p:blipFill>
-          <a:blip r:embed="rId2"/>
-          <a:stretch>
-            <a:fillRect/>
-          </a:stretch>
-        </p:blipFill>
-        <p:spPr>
-          <a:xfrm>
-            <a:off x="912274" y="2543881"/>
-            <a:ext cx="1880807" cy="1918574"/>
-          </a:xfrm>
-          <a:prstGeom prst="rect">
-            <a:avLst/>
-          </a:prstGeom>
-        </p:spPr>
-      </p:pic>
       <p:sp>
         <p:nvSpPr>
-          <p:cNvPr id="6" name="Espaço Reservado para Conteúdo 2"/>
-          <p:cNvSpPr txBox="1">
-            <a:spLocks/>
+          <p:cNvPr id="3" name="Content Placeholder 2"/>
+          <p:cNvSpPr>
+            <a:spLocks noGrp="1"/>
           </p:cNvSpPr>
-          <p:nvPr/>
+          <p:nvPr>
+            <p:ph idx="1"/>
+          </p:nvPr>
         </p:nvSpPr>
         <p:spPr>
           <a:xfrm>
-            <a:off x="831911" y="4561380"/>
-            <a:ext cx="2656114" cy="973788"/>
+            <a:off x="242631" y="2542205"/>
+            <a:ext cx="8772097" cy="2730835"/>
           </a:xfrm>
-          <a:prstGeom prst="rect">
-            <a:avLst/>
-          </a:prstGeom>
         </p:spPr>
         <p:txBody>
-          <a:bodyPr vert="horz" lIns="91440" tIns="45720" rIns="91440" bIns="45720" rtlCol="0">
-            <a:normAutofit lnSpcReduction="10000"/>
-          </a:bodyPr>
-          <a:lstStyle>
-            <a:lvl1pPr marL="228600" indent="-228600" algn="l" defTabSz="914400" rtl="0" eaLnBrk="1" latinLnBrk="0" hangingPunct="1">
-              <a:lnSpc>
-                <a:spcPct val="90000"/>
-              </a:lnSpc>
-              <a:spcBef>
-                <a:spcPts val="1000"/>
-              </a:spcBef>
-              <a:buFont typeface="Arial" panose="020B0604020202020204" pitchFamily="34" charset="0"/>
-              <a:buChar char="•"/>
-              <a:defRPr sz="2800" kern="1200">
-                <a:solidFill>
-                  <a:schemeClr val="tx1"/>
-                </a:solidFill>
-                <a:latin typeface="+mn-lt"/>
-                <a:ea typeface="+mn-ea"/>
-                <a:cs typeface="+mn-cs"/>
-              </a:defRPr>
-            </a:lvl1pPr>
-            <a:lvl2pPr marL="685800" indent="-228600" algn="l" defTabSz="914400" rtl="0" eaLnBrk="1" latinLnBrk="0" hangingPunct="1">
-              <a:lnSpc>
-                <a:spcPct val="90000"/>
-              </a:lnSpc>
-              <a:spcBef>
-                <a:spcPts val="500"/>
-              </a:spcBef>
-              <a:buFont typeface="Arial" panose="020B0604020202020204" pitchFamily="34" charset="0"/>
-              <a:buChar char="•"/>
-              <a:defRPr sz="2400" kern="1200">
-                <a:solidFill>
-                  <a:schemeClr val="tx1"/>
-                </a:solidFill>
-                <a:latin typeface="+mn-lt"/>
-                <a:ea typeface="+mn-ea"/>
-                <a:cs typeface="+mn-cs"/>
-              </a:defRPr>
-            </a:lvl2pPr>
-            <a:lvl3pPr marL="1143000" indent="-228600" algn="l" defTabSz="914400" rtl="0" eaLnBrk="1" latinLnBrk="0" hangingPunct="1">
-              <a:lnSpc>
-                <a:spcPct val="90000"/>
-              </a:lnSpc>
-              <a:spcBef>
-                <a:spcPts val="500"/>
-              </a:spcBef>
-              <a:buFont typeface="Arial" panose="020B0604020202020204" pitchFamily="34" charset="0"/>
-              <a:buChar char="•"/>
-              <a:defRPr sz="2000" kern="1200">
-                <a:solidFill>
-                  <a:schemeClr val="tx1"/>
-                </a:solidFill>
-                <a:latin typeface="+mn-lt"/>
-                <a:ea typeface="+mn-ea"/>
-                <a:cs typeface="+mn-cs"/>
-              </a:defRPr>
-            </a:lvl3pPr>
-            <a:lvl4pPr marL="1600200" indent="-228600" algn="l" defTabSz="914400" rtl="0" eaLnBrk="1" latinLnBrk="0" hangingPunct="1">
-              <a:lnSpc>
-                <a:spcPct val="90000"/>
-              </a:lnSpc>
-              <a:spcBef>
-                <a:spcPts val="500"/>
-              </a:spcBef>
-              <a:buFont typeface="Arial" panose="020B0604020202020204" pitchFamily="34" charset="0"/>
-              <a:buChar char="•"/>
-              <a:defRPr sz="1800" kern="1200">
-                <a:solidFill>
-                  <a:schemeClr val="tx1"/>
-                </a:solidFill>
-                <a:latin typeface="+mn-lt"/>
-                <a:ea typeface="+mn-ea"/>
-                <a:cs typeface="+mn-cs"/>
-              </a:defRPr>
-            </a:lvl4pPr>
-            <a:lvl5pPr marL="2057400" indent="-228600" algn="l" defTabSz="914400" rtl="0" eaLnBrk="1" latinLnBrk="0" hangingPunct="1">
-              <a:lnSpc>
-                <a:spcPct val="90000"/>
-              </a:lnSpc>
-              <a:spcBef>
-                <a:spcPts val="500"/>
-              </a:spcBef>
-              <a:buFont typeface="Arial" panose="020B0604020202020204" pitchFamily="34" charset="0"/>
-              <a:buChar char="•"/>
-              <a:defRPr sz="1800" kern="1200">
-                <a:solidFill>
-                  <a:schemeClr val="tx1"/>
-                </a:solidFill>
-                <a:latin typeface="+mn-lt"/>
-                <a:ea typeface="+mn-ea"/>
-                <a:cs typeface="+mn-cs"/>
-              </a:defRPr>
-            </a:lvl5pPr>
-            <a:lvl6pPr marL="2514600" indent="-228600" algn="l" defTabSz="914400" rtl="0" eaLnBrk="1" latinLnBrk="0" hangingPunct="1">
-              <a:lnSpc>
-                <a:spcPct val="90000"/>
-              </a:lnSpc>
-              <a:spcBef>
-                <a:spcPts val="500"/>
-              </a:spcBef>
-              <a:buFont typeface="Arial" panose="020B0604020202020204" pitchFamily="34" charset="0"/>
-              <a:buChar char="•"/>
-              <a:defRPr sz="1800" kern="1200">
-                <a:solidFill>
-                  <a:schemeClr val="tx1"/>
-                </a:solidFill>
-                <a:latin typeface="+mn-lt"/>
-                <a:ea typeface="+mn-ea"/>
-                <a:cs typeface="+mn-cs"/>
-              </a:defRPr>
-            </a:lvl6pPr>
-            <a:lvl7pPr marL="2971800" indent="-228600" algn="l" defTabSz="914400" rtl="0" eaLnBrk="1" latinLnBrk="0" hangingPunct="1">
-              <a:lnSpc>
-                <a:spcPct val="90000"/>
-              </a:lnSpc>
-              <a:spcBef>
-                <a:spcPts val="500"/>
-              </a:spcBef>
-              <a:buFont typeface="Arial" panose="020B0604020202020204" pitchFamily="34" charset="0"/>
-              <a:buChar char="•"/>
-              <a:defRPr sz="1800" kern="1200">
-                <a:solidFill>
-                  <a:schemeClr val="tx1"/>
-                </a:solidFill>
-                <a:latin typeface="+mn-lt"/>
-                <a:ea typeface="+mn-ea"/>
-                <a:cs typeface="+mn-cs"/>
-              </a:defRPr>
-            </a:lvl7pPr>
-            <a:lvl8pPr marL="3429000" indent="-228600" algn="l" defTabSz="914400" rtl="0" eaLnBrk="1" latinLnBrk="0" hangingPunct="1">
-              <a:lnSpc>
-                <a:spcPct val="90000"/>
-              </a:lnSpc>
-              <a:spcBef>
-                <a:spcPts val="500"/>
-              </a:spcBef>
-              <a:buFont typeface="Arial" panose="020B0604020202020204" pitchFamily="34" charset="0"/>
-              <a:buChar char="•"/>
-              <a:defRPr sz="1800" kern="1200">
-                <a:solidFill>
-                  <a:schemeClr val="tx1"/>
-                </a:solidFill>
-                <a:latin typeface="+mn-lt"/>
-                <a:ea typeface="+mn-ea"/>
-                <a:cs typeface="+mn-cs"/>
-              </a:defRPr>
-            </a:lvl8pPr>
-            <a:lvl9pPr marL="3886200" indent="-228600" algn="l" defTabSz="914400" rtl="0" eaLnBrk="1" latinLnBrk="0" hangingPunct="1">
-              <a:lnSpc>
-                <a:spcPct val="90000"/>
-              </a:lnSpc>
-              <a:spcBef>
-                <a:spcPts val="500"/>
-              </a:spcBef>
-              <a:buFont typeface="Arial" panose="020B0604020202020204" pitchFamily="34" charset="0"/>
-              <a:buChar char="•"/>
-              <a:defRPr sz="1800" kern="1200">
-                <a:solidFill>
-                  <a:schemeClr val="tx1"/>
-                </a:solidFill>
-                <a:latin typeface="+mn-lt"/>
-                <a:ea typeface="+mn-ea"/>
-                <a:cs typeface="+mn-cs"/>
-              </a:defRPr>
-            </a:lvl9pPr>
-          </a:lstStyle>
-          <a:p>
-            <a:pPr marL="0" indent="0">
-              <a:buNone/>
-            </a:pPr>
-            <a:r>
-              <a:rPr lang="pt-BR" dirty="0" err="1" smtClean="0"/>
-              <a:t>Database</a:t>
-            </a:r>
+          <a:bodyPr/>
+          <a:lstStyle/>
+          <a:p>
             <a:r>
               <a:rPr lang="pt-BR" dirty="0" smtClean="0"/>
-              <a:t> +</a:t>
-            </a:r>
-          </a:p>
-          <a:p>
-            <a:pPr marL="0" indent="0">
-              <a:buNone/>
-            </a:pPr>
-            <a:r>
-              <a:rPr lang="pt-BR" dirty="0" err="1" smtClean="0"/>
-              <a:t>Statistics</a:t>
-            </a:r>
-            <a:endParaRPr lang="pt-BR" dirty="0"/>
+              <a:t>Finish Especification Document;</a:t>
+            </a:r>
+          </a:p>
+          <a:p>
+            <a:r>
+              <a:rPr lang="pt-BR" dirty="0" smtClean="0"/>
+              <a:t>Define the Framework and main Graphs tools;</a:t>
+            </a:r>
+            <a:r>
+              <a:rPr lang="pt-BR" dirty="0"/>
+              <a:t> </a:t>
+            </a:r>
+            <a:endParaRPr lang="pt-BR" dirty="0" smtClean="0"/>
+          </a:p>
+          <a:p>
+            <a:r>
+              <a:rPr lang="pt-BR" dirty="0" smtClean="0"/>
+              <a:t>Create </a:t>
+            </a:r>
+            <a:r>
+              <a:rPr lang="pt-BR" dirty="0"/>
+              <a:t>the 1st model using apps (Ex: ScatterPlot)</a:t>
+            </a:r>
+            <a:endParaRPr lang="en-US" dirty="0"/>
+          </a:p>
+          <a:p>
+            <a:r>
+              <a:rPr lang="pt-BR" dirty="0" smtClean="0"/>
+              <a:t>Complete the Backlog;</a:t>
+            </a:r>
+          </a:p>
+          <a:p>
+            <a:r>
+              <a:rPr lang="pt-BR" dirty="0" smtClean="0"/>
+              <a:t>Prioritize the Backlog;</a:t>
+            </a:r>
           </a:p>
         </p:txBody>
       </p:sp>
-      <p:graphicFrame>
-        <p:nvGraphicFramePr>
-          <p:cNvPr id="7" name="Diagrama 6"/>
-          <p:cNvGraphicFramePr/>
-          <p:nvPr>
-            <p:extLst>
-              <p:ext uri="{D42A27DB-BD31-4B8C-83A1-F6EECF244321}">
-                <p14:modId xmlns:p14="http://schemas.microsoft.com/office/powerpoint/2010/main" val="4137573260"/>
-              </p:ext>
-            </p:extLst>
-          </p:nvPr>
-        </p:nvGraphicFramePr>
-        <p:xfrm>
-          <a:off x="1571148" y="1570093"/>
-          <a:ext cx="6096000" cy="4064000"/>
-        </p:xfrm>
-        <a:graphic>
-          <a:graphicData uri="http://schemas.openxmlformats.org/drawingml/2006/diagram">
-            <dgm:relIds xmlns:dgm="http://schemas.openxmlformats.org/drawingml/2006/diagram" xmlns:r="http://schemas.openxmlformats.org/officeDocument/2006/relationships" r:dm="rId3" r:lo="rId4" r:qs="rId5" r:cs="rId6"/>
-          </a:graphicData>
-        </a:graphic>
-      </p:graphicFrame>
-      <p:sp>
-        <p:nvSpPr>
-          <p:cNvPr id="8" name="Espaço Reservado para Conteúdo 2"/>
-          <p:cNvSpPr txBox="1">
-            <a:spLocks/>
-          </p:cNvSpPr>
-          <p:nvPr/>
-        </p:nvSpPr>
-        <p:spPr>
-          <a:xfrm>
-            <a:off x="3715319" y="5340470"/>
-            <a:ext cx="2656114" cy="973788"/>
-          </a:xfrm>
-          <a:prstGeom prst="rect">
-            <a:avLst/>
-          </a:prstGeom>
-        </p:spPr>
-        <p:txBody>
-          <a:bodyPr vert="horz" lIns="91440" tIns="45720" rIns="91440" bIns="45720" rtlCol="0">
-            <a:normAutofit/>
-          </a:bodyPr>
-          <a:lstStyle>
-            <a:lvl1pPr marL="228600" indent="-228600" algn="l" defTabSz="914400" rtl="0" eaLnBrk="1" latinLnBrk="0" hangingPunct="1">
-              <a:lnSpc>
-                <a:spcPct val="90000"/>
-              </a:lnSpc>
-              <a:spcBef>
-                <a:spcPts val="1000"/>
-              </a:spcBef>
-              <a:buFont typeface="Arial" panose="020B0604020202020204" pitchFamily="34" charset="0"/>
-              <a:buChar char="•"/>
-              <a:defRPr sz="2800" kern="1200">
-                <a:solidFill>
-                  <a:schemeClr val="tx1"/>
-                </a:solidFill>
-                <a:latin typeface="+mn-lt"/>
-                <a:ea typeface="+mn-ea"/>
-                <a:cs typeface="+mn-cs"/>
-              </a:defRPr>
-            </a:lvl1pPr>
-            <a:lvl2pPr marL="685800" indent="-228600" algn="l" defTabSz="914400" rtl="0" eaLnBrk="1" latinLnBrk="0" hangingPunct="1">
-              <a:lnSpc>
-                <a:spcPct val="90000"/>
-              </a:lnSpc>
-              <a:spcBef>
-                <a:spcPts val="500"/>
-              </a:spcBef>
-              <a:buFont typeface="Arial" panose="020B0604020202020204" pitchFamily="34" charset="0"/>
-              <a:buChar char="•"/>
-              <a:defRPr sz="2400" kern="1200">
-                <a:solidFill>
-                  <a:schemeClr val="tx1"/>
-                </a:solidFill>
-                <a:latin typeface="+mn-lt"/>
-                <a:ea typeface="+mn-ea"/>
-                <a:cs typeface="+mn-cs"/>
-              </a:defRPr>
-            </a:lvl2pPr>
-            <a:lvl3pPr marL="1143000" indent="-228600" algn="l" defTabSz="914400" rtl="0" eaLnBrk="1" latinLnBrk="0" hangingPunct="1">
-              <a:lnSpc>
-                <a:spcPct val="90000"/>
-              </a:lnSpc>
-              <a:spcBef>
-                <a:spcPts val="500"/>
-              </a:spcBef>
-              <a:buFont typeface="Arial" panose="020B0604020202020204" pitchFamily="34" charset="0"/>
-              <a:buChar char="•"/>
-              <a:defRPr sz="2000" kern="1200">
-                <a:solidFill>
-                  <a:schemeClr val="tx1"/>
-                </a:solidFill>
-                <a:latin typeface="+mn-lt"/>
-                <a:ea typeface="+mn-ea"/>
-                <a:cs typeface="+mn-cs"/>
-              </a:defRPr>
-            </a:lvl3pPr>
-            <a:lvl4pPr marL="1600200" indent="-228600" algn="l" defTabSz="914400" rtl="0" eaLnBrk="1" latinLnBrk="0" hangingPunct="1">
-              <a:lnSpc>
-                <a:spcPct val="90000"/>
-              </a:lnSpc>
-              <a:spcBef>
-                <a:spcPts val="500"/>
-              </a:spcBef>
-              <a:buFont typeface="Arial" panose="020B0604020202020204" pitchFamily="34" charset="0"/>
-              <a:buChar char="•"/>
-              <a:defRPr sz="1800" kern="1200">
-                <a:solidFill>
-                  <a:schemeClr val="tx1"/>
-                </a:solidFill>
-                <a:latin typeface="+mn-lt"/>
-                <a:ea typeface="+mn-ea"/>
-                <a:cs typeface="+mn-cs"/>
-              </a:defRPr>
-            </a:lvl4pPr>
-            <a:lvl5pPr marL="2057400" indent="-228600" algn="l" defTabSz="914400" rtl="0" eaLnBrk="1" latinLnBrk="0" hangingPunct="1">
-              <a:lnSpc>
-                <a:spcPct val="90000"/>
-              </a:lnSpc>
-              <a:spcBef>
-                <a:spcPts val="500"/>
-              </a:spcBef>
-              <a:buFont typeface="Arial" panose="020B0604020202020204" pitchFamily="34" charset="0"/>
-              <a:buChar char="•"/>
-              <a:defRPr sz="1800" kern="1200">
-                <a:solidFill>
-                  <a:schemeClr val="tx1"/>
-                </a:solidFill>
-                <a:latin typeface="+mn-lt"/>
-                <a:ea typeface="+mn-ea"/>
-                <a:cs typeface="+mn-cs"/>
-              </a:defRPr>
-            </a:lvl5pPr>
-            <a:lvl6pPr marL="2514600" indent="-228600" algn="l" defTabSz="914400" rtl="0" eaLnBrk="1" latinLnBrk="0" hangingPunct="1">
-              <a:lnSpc>
-                <a:spcPct val="90000"/>
-              </a:lnSpc>
-              <a:spcBef>
-                <a:spcPts val="500"/>
-              </a:spcBef>
-              <a:buFont typeface="Arial" panose="020B0604020202020204" pitchFamily="34" charset="0"/>
-              <a:buChar char="•"/>
-              <a:defRPr sz="1800" kern="1200">
-                <a:solidFill>
-                  <a:schemeClr val="tx1"/>
-                </a:solidFill>
-                <a:latin typeface="+mn-lt"/>
-                <a:ea typeface="+mn-ea"/>
-                <a:cs typeface="+mn-cs"/>
-              </a:defRPr>
-            </a:lvl6pPr>
-            <a:lvl7pPr marL="2971800" indent="-228600" algn="l" defTabSz="914400" rtl="0" eaLnBrk="1" latinLnBrk="0" hangingPunct="1">
-              <a:lnSpc>
-                <a:spcPct val="90000"/>
-              </a:lnSpc>
-              <a:spcBef>
-                <a:spcPts val="500"/>
-              </a:spcBef>
-              <a:buFont typeface="Arial" panose="020B0604020202020204" pitchFamily="34" charset="0"/>
-              <a:buChar char="•"/>
-              <a:defRPr sz="1800" kern="1200">
-                <a:solidFill>
-                  <a:schemeClr val="tx1"/>
-                </a:solidFill>
-                <a:latin typeface="+mn-lt"/>
-                <a:ea typeface="+mn-ea"/>
-                <a:cs typeface="+mn-cs"/>
-              </a:defRPr>
-            </a:lvl7pPr>
-            <a:lvl8pPr marL="3429000" indent="-228600" algn="l" defTabSz="914400" rtl="0" eaLnBrk="1" latinLnBrk="0" hangingPunct="1">
-              <a:lnSpc>
-                <a:spcPct val="90000"/>
-              </a:lnSpc>
-              <a:spcBef>
-                <a:spcPts val="500"/>
-              </a:spcBef>
-              <a:buFont typeface="Arial" panose="020B0604020202020204" pitchFamily="34" charset="0"/>
-              <a:buChar char="•"/>
-              <a:defRPr sz="1800" kern="1200">
-                <a:solidFill>
-                  <a:schemeClr val="tx1"/>
-                </a:solidFill>
-                <a:latin typeface="+mn-lt"/>
-                <a:ea typeface="+mn-ea"/>
-                <a:cs typeface="+mn-cs"/>
-              </a:defRPr>
-            </a:lvl8pPr>
-            <a:lvl9pPr marL="3886200" indent="-228600" algn="l" defTabSz="914400" rtl="0" eaLnBrk="1" latinLnBrk="0" hangingPunct="1">
-              <a:lnSpc>
-                <a:spcPct val="90000"/>
-              </a:lnSpc>
-              <a:spcBef>
-                <a:spcPts val="500"/>
-              </a:spcBef>
-              <a:buFont typeface="Arial" panose="020B0604020202020204" pitchFamily="34" charset="0"/>
-              <a:buChar char="•"/>
-              <a:defRPr sz="1800" kern="1200">
-                <a:solidFill>
-                  <a:schemeClr val="tx1"/>
-                </a:solidFill>
-                <a:latin typeface="+mn-lt"/>
-                <a:ea typeface="+mn-ea"/>
-                <a:cs typeface="+mn-cs"/>
-              </a:defRPr>
-            </a:lvl9pPr>
-          </a:lstStyle>
-          <a:p>
-            <a:pPr marL="0" indent="0">
-              <a:buNone/>
-            </a:pPr>
-            <a:r>
-              <a:rPr lang="pt-BR" dirty="0" err="1" smtClean="0"/>
-              <a:t>Better</a:t>
-            </a:r>
-            <a:r>
-              <a:rPr lang="pt-BR" dirty="0" smtClean="0"/>
-              <a:t> </a:t>
-            </a:r>
-            <a:r>
-              <a:rPr lang="pt-BR" dirty="0" err="1" smtClean="0"/>
-              <a:t>Estimation</a:t>
-            </a:r>
-            <a:endParaRPr lang="pt-BR" dirty="0"/>
-          </a:p>
-        </p:txBody>
-      </p:sp>
-      <p:pic>
-        <p:nvPicPr>
-          <p:cNvPr id="9" name="Imagem 8"/>
-          <p:cNvPicPr>
-            <a:picLocks noChangeAspect="1"/>
-          </p:cNvPicPr>
-          <p:nvPr/>
-        </p:nvPicPr>
-        <p:blipFill>
-          <a:blip r:embed="rId8"/>
-          <a:stretch>
-            <a:fillRect/>
-          </a:stretch>
-        </p:blipFill>
-        <p:spPr>
-          <a:xfrm>
-            <a:off x="5452774" y="2984500"/>
-            <a:ext cx="3435193" cy="1235185"/>
-          </a:xfrm>
-          <a:prstGeom prst="rect">
-            <a:avLst/>
-          </a:prstGeom>
-        </p:spPr>
-      </p:pic>
     </p:spTree>
     <p:extLst>
       <p:ext uri="{BB962C8B-B14F-4D97-AF65-F5344CB8AC3E}">
-        <p14:creationId xmlns:p14="http://schemas.microsoft.com/office/powerpoint/2010/main" val="1245447738"/>
+        <p14:creationId xmlns:p14="http://schemas.microsoft.com/office/powerpoint/2010/main" val="401387955"/>
       </p:ext>
     </p:extLst>
   </p:cSld>
   <p:clrMapOvr>
     <a:masterClrMapping/>
   </p:clrMapOvr>
+  <p:timing>
+    <p:tnLst>
+      <p:par>
+        <p:cTn id="1" dur="indefinite" restart="never" nodeType="tmRoot"/>
+      </p:par>
+    </p:tnLst>
+  </p:timing>
 </p:sld>
 </file>
 
@@ -10782,6 +8997,13 @@
   <p:clrMapOvr>
     <a:masterClrMapping/>
   </p:clrMapOvr>
+  <p:timing>
+    <p:tnLst>
+      <p:par>
+        <p:cTn id="1" dur="indefinite" restart="never" nodeType="tmRoot"/>
+      </p:par>
+    </p:tnLst>
+  </p:timing>
 </p:sld>
 </file>
 
